--- a/ProjectExecution/BA/SpecsWireframes/001Wireframes.pptx
+++ b/ProjectExecution/BA/SpecsWireframes/001Wireframes.pptx
@@ -309,7 +309,7 @@
           <a:p>
             <a:fld id="{E3674C62-6B24-4F54-B962-366960A0168F}" type="datetimeFigureOut">
               <a:rPr lang="en-US" smtClean="0"/>
-              <a:t>7/4/2020</a:t>
+              <a:t>7/5/2020</a:t>
             </a:fld>
             <a:endParaRPr lang="en-US"/>
           </a:p>
@@ -474,7 +474,7 @@
           <a:p>
             <a:fld id="{E3674C62-6B24-4F54-B962-366960A0168F}" type="datetimeFigureOut">
               <a:rPr lang="en-US" smtClean="0"/>
-              <a:t>7/4/2020</a:t>
+              <a:t>7/5/2020</a:t>
             </a:fld>
             <a:endParaRPr lang="en-US"/>
           </a:p>
@@ -649,7 +649,7 @@
           <a:p>
             <a:fld id="{E3674C62-6B24-4F54-B962-366960A0168F}" type="datetimeFigureOut">
               <a:rPr lang="en-US" smtClean="0"/>
-              <a:t>7/4/2020</a:t>
+              <a:t>7/5/2020</a:t>
             </a:fld>
             <a:endParaRPr lang="en-US"/>
           </a:p>
@@ -814,7 +814,7 @@
           <a:p>
             <a:fld id="{E3674C62-6B24-4F54-B962-366960A0168F}" type="datetimeFigureOut">
               <a:rPr lang="en-US" smtClean="0"/>
-              <a:t>7/4/2020</a:t>
+              <a:t>7/5/2020</a:t>
             </a:fld>
             <a:endParaRPr lang="en-US"/>
           </a:p>
@@ -1055,7 +1055,7 @@
           <a:p>
             <a:fld id="{E3674C62-6B24-4F54-B962-366960A0168F}" type="datetimeFigureOut">
               <a:rPr lang="en-US" smtClean="0"/>
-              <a:t>7/4/2020</a:t>
+              <a:t>7/5/2020</a:t>
             </a:fld>
             <a:endParaRPr lang="en-US"/>
           </a:p>
@@ -1338,7 +1338,7 @@
           <a:p>
             <a:fld id="{E3674C62-6B24-4F54-B962-366960A0168F}" type="datetimeFigureOut">
               <a:rPr lang="en-US" smtClean="0"/>
-              <a:t>7/4/2020</a:t>
+              <a:t>7/5/2020</a:t>
             </a:fld>
             <a:endParaRPr lang="en-US"/>
           </a:p>
@@ -1755,7 +1755,7 @@
           <a:p>
             <a:fld id="{E3674C62-6B24-4F54-B962-366960A0168F}" type="datetimeFigureOut">
               <a:rPr lang="en-US" smtClean="0"/>
-              <a:t>7/4/2020</a:t>
+              <a:t>7/5/2020</a:t>
             </a:fld>
             <a:endParaRPr lang="en-US"/>
           </a:p>
@@ -1868,7 +1868,7 @@
           <a:p>
             <a:fld id="{E3674C62-6B24-4F54-B962-366960A0168F}" type="datetimeFigureOut">
               <a:rPr lang="en-US" smtClean="0"/>
-              <a:t>7/4/2020</a:t>
+              <a:t>7/5/2020</a:t>
             </a:fld>
             <a:endParaRPr lang="en-US"/>
           </a:p>
@@ -1958,7 +1958,7 @@
           <a:p>
             <a:fld id="{E3674C62-6B24-4F54-B962-366960A0168F}" type="datetimeFigureOut">
               <a:rPr lang="en-US" smtClean="0"/>
-              <a:t>7/4/2020</a:t>
+              <a:t>7/5/2020</a:t>
             </a:fld>
             <a:endParaRPr lang="en-US"/>
           </a:p>
@@ -2230,7 +2230,7 @@
           <a:p>
             <a:fld id="{E3674C62-6B24-4F54-B962-366960A0168F}" type="datetimeFigureOut">
               <a:rPr lang="en-US" smtClean="0"/>
-              <a:t>7/4/2020</a:t>
+              <a:t>7/5/2020</a:t>
             </a:fld>
             <a:endParaRPr lang="en-US"/>
           </a:p>
@@ -2478,7 +2478,7 @@
           <a:p>
             <a:fld id="{E3674C62-6B24-4F54-B962-366960A0168F}" type="datetimeFigureOut">
               <a:rPr lang="en-US" smtClean="0"/>
-              <a:t>7/4/2020</a:t>
+              <a:t>7/5/2020</a:t>
             </a:fld>
             <a:endParaRPr lang="en-US"/>
           </a:p>
@@ -2686,7 +2686,7 @@
           <a:p>
             <a:fld id="{E3674C62-6B24-4F54-B962-366960A0168F}" type="datetimeFigureOut">
               <a:rPr lang="en-US" smtClean="0"/>
-              <a:t>7/4/2020</a:t>
+              <a:t>7/5/2020</a:t>
             </a:fld>
             <a:endParaRPr lang="en-US"/>
           </a:p>
@@ -3064,8 +3064,8 @@
         </p:nvSpPr>
         <p:spPr>
           <a:xfrm>
-            <a:off x="3523138" y="980728"/>
-            <a:ext cx="1860317" cy="480901"/>
+            <a:off x="2771333" y="980728"/>
+            <a:ext cx="3363934" cy="480901"/>
           </a:xfrm>
           <a:prstGeom prst="rect">
             <a:avLst/>
@@ -3090,7 +3090,7 @@
                 <a:latin typeface="Arial" panose="020B0604020202020204" pitchFamily="34" charset="0"/>
                 <a:ea typeface="Arial" panose="020B0604020202020204" pitchFamily="34" charset="0"/>
               </a:rPr>
-              <a:t>Wireframes</a:t>
+              <a:t>Anodiam: Wireframes</a:t>
             </a:r>
             <a:endParaRPr lang="en-AU" sz="2400" dirty="0">
               <a:effectLst/>
@@ -3159,21 +3159,7 @@
                 <a:latin typeface="Arial" panose="020B0604020202020204" pitchFamily="34" charset="0"/>
                 <a:ea typeface="Arial" panose="020B0604020202020204" pitchFamily="34" charset="0"/>
               </a:rPr>
-              <a:t> </a:t>
-            </a:r>
-            <a:r>
-              <a:rPr lang="en-US" sz="1400" dirty="0" smtClean="0">
-                <a:latin typeface="Arial" panose="020B0604020202020204" pitchFamily="34" charset="0"/>
-                <a:ea typeface="Arial" panose="020B0604020202020204" pitchFamily="34" charset="0"/>
-              </a:rPr>
-              <a:t>&gt; </a:t>
-            </a:r>
-            <a:r>
-              <a:rPr lang="en-US" sz="1400" dirty="0" smtClean="0">
-                <a:latin typeface="Arial" panose="020B0604020202020204" pitchFamily="34" charset="0"/>
-                <a:ea typeface="Arial" panose="020B0604020202020204" pitchFamily="34" charset="0"/>
-              </a:rPr>
-              <a:t>BA &gt; </a:t>
+              <a:t> &gt; BA &gt; </a:t>
             </a:r>
             <a:r>
               <a:rPr lang="en-US" sz="1400" dirty="0" err="1" smtClean="0">
@@ -3195,14 +3181,14 @@
           <p:nvPr>
             <p:extLst>
               <p:ext uri="{D42A27DB-BD31-4B8C-83A1-F6EECF244321}">
-                <p14:modId xmlns:p14="http://schemas.microsoft.com/office/powerpoint/2010/main" val="684216490"/>
+                <p14:modId xmlns:p14="http://schemas.microsoft.com/office/powerpoint/2010/main" val="3038280777"/>
               </p:ext>
             </p:extLst>
           </p:nvPr>
         </p:nvGraphicFramePr>
         <p:xfrm>
           <a:off x="1600200" y="3063716"/>
-          <a:ext cx="5943600" cy="1597345"/>
+          <a:ext cx="5943600" cy="1686560"/>
         </p:xfrm>
         <a:graphic>
           <a:graphicData uri="http://schemas.openxmlformats.org/drawingml/2006/table">
@@ -3456,51 +3442,14 @@
                         </a:spcAft>
                       </a:pPr>
                       <a:r>
-                        <a:rPr lang="en-US" sz="1200">
+                        <a:rPr lang="en-US" sz="1200" dirty="0" smtClean="0">
                           <a:effectLst/>
                           <a:latin typeface="Arial" panose="020B0604020202020204" pitchFamily="34" charset="0"/>
                           <a:cs typeface="Arial" panose="020B0604020202020204" pitchFamily="34" charset="0"/>
                         </a:rPr>
-                        <a:t>AC</a:t>
+                        <a:t>AM</a:t>
                       </a:r>
-                      <a:endParaRPr lang="en-AU" sz="1200">
-                        <a:effectLst/>
-                        <a:latin typeface="Arial" panose="020B0604020202020204" pitchFamily="34" charset="0"/>
-                        <a:ea typeface="Arial" panose="020B0604020202020204" pitchFamily="34" charset="0"/>
-                        <a:cs typeface="Arial" panose="020B0604020202020204" pitchFamily="34" charset="0"/>
-                      </a:endParaRPr>
-                    </a:p>
-                  </a:txBody>
-                  <a:tcPr marL="63500" marR="63500" marT="63500" marB="63500">
-                    <a:solidFill>
-                      <a:schemeClr val="bg1">
-                        <a:lumMod val="75000"/>
-                      </a:schemeClr>
-                    </a:solidFill>
-                  </a:tcPr>
-                </a:tc>
-                <a:tc>
-                  <a:txBody>
-                    <a:bodyPr/>
-                    <a:lstStyle/>
-                    <a:p>
-                      <a:pPr algn="just">
-                        <a:lnSpc>
-                          <a:spcPct val="115000"/>
-                        </a:lnSpc>
-                        <a:spcAft>
-                          <a:spcPts val="0"/>
-                        </a:spcAft>
-                      </a:pPr>
-                      <a:r>
-                        <a:rPr lang="en-US" sz="1200">
-                          <a:effectLst/>
-                          <a:latin typeface="Arial" panose="020B0604020202020204" pitchFamily="34" charset="0"/>
-                          <a:cs typeface="Arial" panose="020B0604020202020204" pitchFamily="34" charset="0"/>
-                        </a:rPr>
-                        <a:t>DN</a:t>
-                      </a:r>
-                      <a:endParaRPr lang="en-AU" sz="1200">
+                      <a:endParaRPr lang="en-AU" sz="1200" dirty="0">
                         <a:effectLst/>
                         <a:latin typeface="Arial" panose="020B0604020202020204" pitchFamily="34" charset="0"/>
                         <a:ea typeface="Arial" panose="020B0604020202020204" pitchFamily="34" charset="0"/>
@@ -3535,7 +3484,44 @@
                           <a:latin typeface="Arial" panose="020B0604020202020204" pitchFamily="34" charset="0"/>
                           <a:cs typeface="Arial" panose="020B0604020202020204" pitchFamily="34" charset="0"/>
                         </a:rPr>
-                        <a:t>04/07/2020</a:t>
+                        <a:t>AC</a:t>
+                      </a:r>
+                      <a:endParaRPr lang="en-AU" sz="1200" dirty="0">
+                        <a:effectLst/>
+                        <a:latin typeface="Arial" panose="020B0604020202020204" pitchFamily="34" charset="0"/>
+                        <a:ea typeface="Arial" panose="020B0604020202020204" pitchFamily="34" charset="0"/>
+                        <a:cs typeface="Arial" panose="020B0604020202020204" pitchFamily="34" charset="0"/>
+                      </a:endParaRPr>
+                    </a:p>
+                  </a:txBody>
+                  <a:tcPr marL="63500" marR="63500" marT="63500" marB="63500">
+                    <a:solidFill>
+                      <a:schemeClr val="bg1">
+                        <a:lumMod val="75000"/>
+                      </a:schemeClr>
+                    </a:solidFill>
+                  </a:tcPr>
+                </a:tc>
+                <a:tc>
+                  <a:txBody>
+                    <a:bodyPr/>
+                    <a:lstStyle/>
+                    <a:p>
+                      <a:pPr algn="just">
+                        <a:lnSpc>
+                          <a:spcPct val="115000"/>
+                        </a:lnSpc>
+                        <a:spcAft>
+                          <a:spcPts val="0"/>
+                        </a:spcAft>
+                      </a:pPr>
+                      <a:r>
+                        <a:rPr lang="en-US" sz="1200" dirty="0" smtClean="0">
+                          <a:effectLst/>
+                          <a:latin typeface="Arial" panose="020B0604020202020204" pitchFamily="34" charset="0"/>
+                          <a:cs typeface="Arial" panose="020B0604020202020204" pitchFamily="34" charset="0"/>
+                        </a:rPr>
+                        <a:t>05/07/2020</a:t>
                       </a:r>
                       <a:endParaRPr lang="en-AU" sz="1200" dirty="0">
                         <a:effectLst/>
@@ -5385,22 +5371,31 @@
               <a:t>; Ariel Bold 24; </a:t>
             </a:r>
             <a:r>
+              <a:rPr lang="en-AU" sz="800" b="1" dirty="0" smtClean="0">
+                <a:solidFill>
+                  <a:schemeClr val="accent6"/>
+                </a:solidFill>
+                <a:latin typeface="Arial Black" pitchFamily="34" charset="0"/>
+              </a:rPr>
+              <a:t>#0f0f7f </a:t>
+            </a:r>
+            <a:r>
               <a:rPr lang="en-AU" sz="800" b="1" dirty="0">
                 <a:solidFill>
                   <a:schemeClr val="accent6"/>
                 </a:solidFill>
                 <a:latin typeface="Arial Black" pitchFamily="34" charset="0"/>
               </a:rPr>
-              <a:t>#8f8fff (Active </a:t>
-            </a:r>
-            <a:r>
-              <a:rPr lang="en-AU" sz="800" b="1" dirty="0" smtClean="0">
+              <a:t>(Active </a:t>
+            </a:r>
+            <a:r>
+              <a:rPr lang="en-AU" sz="800" b="1" dirty="0">
                 <a:solidFill>
                   <a:schemeClr val="accent6"/>
                 </a:solidFill>
                 <a:latin typeface="Arial Black" pitchFamily="34" charset="0"/>
               </a:rPr>
-              <a:t>#6f6fef)</a:t>
+              <a:t># 8f8fff)</a:t>
             </a:r>
             <a:endParaRPr lang="en-AU" sz="800" b="1" dirty="0">
               <a:solidFill>
@@ -6174,6 +6169,377 @@
           </a:prstGeom>
         </p:spPr>
       </p:pic>
+      <p:sp>
+        <p:nvSpPr>
+          <p:cNvPr id="44" name="Rectangle 43"/>
+          <p:cNvSpPr/>
+          <p:nvPr/>
+        </p:nvSpPr>
+        <p:spPr>
+          <a:xfrm>
+            <a:off x="3923928" y="5466710"/>
+            <a:ext cx="648072" cy="338554"/>
+          </a:xfrm>
+          <a:prstGeom prst="rect">
+            <a:avLst/>
+          </a:prstGeom>
+        </p:spPr>
+        <p:style>
+          <a:lnRef idx="1">
+            <a:schemeClr val="dk1"/>
+          </a:lnRef>
+          <a:fillRef idx="3">
+            <a:schemeClr val="dk1"/>
+          </a:fillRef>
+          <a:effectRef idx="2">
+            <a:schemeClr val="dk1"/>
+          </a:effectRef>
+          <a:fontRef idx="minor">
+            <a:schemeClr val="lt1"/>
+          </a:fontRef>
+        </p:style>
+        <p:txBody>
+          <a:bodyPr wrap="square" rtlCol="0">
+            <a:spAutoFit/>
+          </a:bodyPr>
+          <a:lstStyle/>
+          <a:p>
+            <a:r>
+              <a:rPr lang="en-AU" sz="800" b="1" dirty="0" smtClean="0">
+                <a:solidFill>
+                  <a:schemeClr val="accent6"/>
+                </a:solidFill>
+                <a:latin typeface="Arial Black" pitchFamily="34" charset="0"/>
+              </a:rPr>
+              <a:t>#6f6fef; #0f0f7f</a:t>
+            </a:r>
+            <a:endParaRPr lang="en-AU" sz="800" b="1" dirty="0">
+              <a:solidFill>
+                <a:schemeClr val="accent6"/>
+              </a:solidFill>
+              <a:latin typeface="Arial Black" pitchFamily="34" charset="0"/>
+            </a:endParaRPr>
+          </a:p>
+        </p:txBody>
+      </p:sp>
+      <p:cxnSp>
+        <p:nvCxnSpPr>
+          <p:cNvPr id="50" name="Straight Arrow Connector 49"/>
+          <p:cNvCxnSpPr/>
+          <p:nvPr/>
+        </p:nvCxnSpPr>
+        <p:spPr>
+          <a:xfrm flipV="1">
+            <a:off x="3923928" y="5283275"/>
+            <a:ext cx="0" cy="366870"/>
+          </a:xfrm>
+          <a:prstGeom prst="straightConnector1">
+            <a:avLst/>
+          </a:prstGeom>
+          <a:ln>
+            <a:solidFill>
+              <a:schemeClr val="tx1"/>
+            </a:solidFill>
+            <a:tailEnd type="arrow"/>
+          </a:ln>
+        </p:spPr>
+        <p:style>
+          <a:lnRef idx="1">
+            <a:schemeClr val="accent1"/>
+          </a:lnRef>
+          <a:fillRef idx="0">
+            <a:schemeClr val="accent1"/>
+          </a:fillRef>
+          <a:effectRef idx="0">
+            <a:schemeClr val="accent1"/>
+          </a:effectRef>
+          <a:fontRef idx="minor">
+            <a:schemeClr val="tx1"/>
+          </a:fontRef>
+        </p:style>
+      </p:cxnSp>
+      <p:sp>
+        <p:nvSpPr>
+          <p:cNvPr id="51" name="Rectangle 50"/>
+          <p:cNvSpPr/>
+          <p:nvPr/>
+        </p:nvSpPr>
+        <p:spPr>
+          <a:xfrm>
+            <a:off x="7524328" y="5484643"/>
+            <a:ext cx="639689" cy="461665"/>
+          </a:xfrm>
+          <a:prstGeom prst="rect">
+            <a:avLst/>
+          </a:prstGeom>
+        </p:spPr>
+        <p:style>
+          <a:lnRef idx="1">
+            <a:schemeClr val="dk1"/>
+          </a:lnRef>
+          <a:fillRef idx="3">
+            <a:schemeClr val="dk1"/>
+          </a:fillRef>
+          <a:effectRef idx="2">
+            <a:schemeClr val="dk1"/>
+          </a:effectRef>
+          <a:fontRef idx="minor">
+            <a:schemeClr val="lt1"/>
+          </a:fontRef>
+        </p:style>
+        <p:txBody>
+          <a:bodyPr wrap="square" rtlCol="0">
+            <a:spAutoFit/>
+          </a:bodyPr>
+          <a:lstStyle/>
+          <a:p>
+            <a:r>
+              <a:rPr lang="en-AU" sz="800" b="1" dirty="0" smtClean="0">
+                <a:solidFill>
+                  <a:schemeClr val="accent6"/>
+                </a:solidFill>
+                <a:latin typeface="Arial Black" pitchFamily="34" charset="0"/>
+              </a:rPr>
+              <a:t>Active;</a:t>
+            </a:r>
+          </a:p>
+          <a:p>
+            <a:r>
+              <a:rPr lang="en-AU" sz="800" b="1" dirty="0" smtClean="0">
+                <a:solidFill>
+                  <a:schemeClr val="accent6"/>
+                </a:solidFill>
+                <a:latin typeface="Arial Black" pitchFamily="34" charset="0"/>
+              </a:rPr>
+              <a:t>#0f0f7f; #fff</a:t>
+            </a:r>
+            <a:endParaRPr lang="en-AU" sz="800" b="1" dirty="0">
+              <a:solidFill>
+                <a:schemeClr val="accent6"/>
+              </a:solidFill>
+              <a:latin typeface="Arial Black" pitchFamily="34" charset="0"/>
+            </a:endParaRPr>
+          </a:p>
+        </p:txBody>
+      </p:sp>
+      <p:cxnSp>
+        <p:nvCxnSpPr>
+          <p:cNvPr id="55" name="Straight Arrow Connector 54"/>
+          <p:cNvCxnSpPr/>
+          <p:nvPr/>
+        </p:nvCxnSpPr>
+        <p:spPr>
+          <a:xfrm flipV="1">
+            <a:off x="8162870" y="5301208"/>
+            <a:ext cx="0" cy="366870"/>
+          </a:xfrm>
+          <a:prstGeom prst="straightConnector1">
+            <a:avLst/>
+          </a:prstGeom>
+          <a:ln>
+            <a:solidFill>
+              <a:schemeClr val="tx1"/>
+            </a:solidFill>
+            <a:tailEnd type="arrow"/>
+          </a:ln>
+        </p:spPr>
+        <p:style>
+          <a:lnRef idx="1">
+            <a:schemeClr val="accent1"/>
+          </a:lnRef>
+          <a:fillRef idx="0">
+            <a:schemeClr val="accent1"/>
+          </a:fillRef>
+          <a:effectRef idx="0">
+            <a:schemeClr val="accent1"/>
+          </a:effectRef>
+          <a:fontRef idx="minor">
+            <a:schemeClr val="tx1"/>
+          </a:fontRef>
+        </p:style>
+      </p:cxnSp>
+      <p:cxnSp>
+        <p:nvCxnSpPr>
+          <p:cNvPr id="56" name="Straight Arrow Connector 55"/>
+          <p:cNvCxnSpPr/>
+          <p:nvPr/>
+        </p:nvCxnSpPr>
+        <p:spPr>
+          <a:xfrm flipH="1" flipV="1">
+            <a:off x="0" y="3281865"/>
+            <a:ext cx="9073417" cy="2119"/>
+          </a:xfrm>
+          <a:prstGeom prst="straightConnector1">
+            <a:avLst/>
+          </a:prstGeom>
+          <a:ln>
+            <a:solidFill>
+              <a:schemeClr val="tx1"/>
+            </a:solidFill>
+            <a:headEnd type="arrow"/>
+            <a:tailEnd type="arrow"/>
+          </a:ln>
+        </p:spPr>
+        <p:style>
+          <a:lnRef idx="1">
+            <a:schemeClr val="accent1"/>
+          </a:lnRef>
+          <a:fillRef idx="0">
+            <a:schemeClr val="accent1"/>
+          </a:fillRef>
+          <a:effectRef idx="0">
+            <a:schemeClr val="accent1"/>
+          </a:effectRef>
+          <a:fontRef idx="minor">
+            <a:schemeClr val="tx1"/>
+          </a:fontRef>
+        </p:style>
+      </p:cxnSp>
+      <p:sp>
+        <p:nvSpPr>
+          <p:cNvPr id="57" name="TextBox 56"/>
+          <p:cNvSpPr txBox="1"/>
+          <p:nvPr/>
+        </p:nvSpPr>
+        <p:spPr>
+          <a:xfrm>
+            <a:off x="3284240" y="3068960"/>
+            <a:ext cx="416370" cy="213483"/>
+          </a:xfrm>
+          <a:prstGeom prst="rect">
+            <a:avLst/>
+          </a:prstGeom>
+        </p:spPr>
+        <p:style>
+          <a:lnRef idx="1">
+            <a:schemeClr val="dk1"/>
+          </a:lnRef>
+          <a:fillRef idx="3">
+            <a:schemeClr val="dk1"/>
+          </a:fillRef>
+          <a:effectRef idx="2">
+            <a:schemeClr val="dk1"/>
+          </a:effectRef>
+          <a:fontRef idx="minor">
+            <a:schemeClr val="lt1"/>
+          </a:fontRef>
+        </p:style>
+        <p:txBody>
+          <a:bodyPr wrap="square" rtlCol="0">
+            <a:spAutoFit/>
+          </a:bodyPr>
+          <a:lstStyle/>
+          <a:p>
+            <a:pPr algn="r"/>
+            <a:r>
+              <a:rPr lang="en-AU" sz="800" dirty="0" smtClean="0">
+                <a:solidFill>
+                  <a:schemeClr val="accent6"/>
+                </a:solidFill>
+                <a:latin typeface="Arial Narrow" panose="020B0606020202030204" pitchFamily="34" charset="0"/>
+              </a:rPr>
+              <a:t>100%</a:t>
+            </a:r>
+            <a:endParaRPr lang="en-US" sz="800" dirty="0">
+              <a:solidFill>
+                <a:schemeClr val="accent6"/>
+              </a:solidFill>
+              <a:latin typeface="Arial Narrow" panose="020B0606020202030204" pitchFamily="34" charset="0"/>
+            </a:endParaRPr>
+          </a:p>
+        </p:txBody>
+      </p:sp>
+      <p:cxnSp>
+        <p:nvCxnSpPr>
+          <p:cNvPr id="58" name="Straight Arrow Connector 57"/>
+          <p:cNvCxnSpPr/>
+          <p:nvPr/>
+        </p:nvCxnSpPr>
+        <p:spPr>
+          <a:xfrm>
+            <a:off x="750260" y="4457334"/>
+            <a:ext cx="3589536" cy="14125"/>
+          </a:xfrm>
+          <a:prstGeom prst="straightConnector1">
+            <a:avLst/>
+          </a:prstGeom>
+          <a:ln>
+            <a:solidFill>
+              <a:schemeClr val="tx1"/>
+            </a:solidFill>
+            <a:headEnd type="arrow"/>
+            <a:tailEnd type="arrow"/>
+          </a:ln>
+        </p:spPr>
+        <p:style>
+          <a:lnRef idx="1">
+            <a:schemeClr val="accent1"/>
+          </a:lnRef>
+          <a:fillRef idx="0">
+            <a:schemeClr val="accent1"/>
+          </a:fillRef>
+          <a:effectRef idx="0">
+            <a:schemeClr val="accent1"/>
+          </a:effectRef>
+          <a:fontRef idx="minor">
+            <a:schemeClr val="tx1"/>
+          </a:fontRef>
+        </p:style>
+      </p:cxnSp>
+      <p:sp>
+        <p:nvSpPr>
+          <p:cNvPr id="59" name="TextBox 58"/>
+          <p:cNvSpPr txBox="1"/>
+          <p:nvPr/>
+        </p:nvSpPr>
+        <p:spPr>
+          <a:xfrm>
+            <a:off x="2402860" y="4246604"/>
+            <a:ext cx="446625" cy="213483"/>
+          </a:xfrm>
+          <a:prstGeom prst="rect">
+            <a:avLst/>
+          </a:prstGeom>
+        </p:spPr>
+        <p:style>
+          <a:lnRef idx="1">
+            <a:schemeClr val="dk1"/>
+          </a:lnRef>
+          <a:fillRef idx="3">
+            <a:schemeClr val="dk1"/>
+          </a:fillRef>
+          <a:effectRef idx="2">
+            <a:schemeClr val="dk1"/>
+          </a:effectRef>
+          <a:fontRef idx="minor">
+            <a:schemeClr val="lt1"/>
+          </a:fontRef>
+        </p:style>
+        <p:txBody>
+          <a:bodyPr wrap="square" rtlCol="0">
+            <a:spAutoFit/>
+          </a:bodyPr>
+          <a:lstStyle/>
+          <a:p>
+            <a:pPr algn="r"/>
+            <a:r>
+              <a:rPr lang="en-AU" sz="800" dirty="0" smtClean="0">
+                <a:solidFill>
+                  <a:schemeClr val="accent6"/>
+                </a:solidFill>
+                <a:latin typeface="Arial Narrow" panose="020B0606020202030204" pitchFamily="34" charset="0"/>
+              </a:rPr>
+              <a:t>100%</a:t>
+            </a:r>
+            <a:endParaRPr lang="en-US" sz="800" dirty="0">
+              <a:solidFill>
+                <a:schemeClr val="accent6"/>
+              </a:solidFill>
+              <a:latin typeface="Arial Narrow" panose="020B0606020202030204" pitchFamily="34" charset="0"/>
+            </a:endParaRPr>
+          </a:p>
+        </p:txBody>
+      </p:sp>
     </p:spTree>
   </p:cSld>
   <p:clrMapOvr>
@@ -6457,13 +6823,7 @@
               <a:rPr lang="en-AU" dirty="0" smtClean="0">
                 <a:latin typeface="Arial Black" panose="020B0A04020102020204" pitchFamily="34" charset="0"/>
               </a:rPr>
-              <a:t>Home Screen: </a:t>
-            </a:r>
-            <a:r>
-              <a:rPr lang="en-AU" dirty="0" smtClean="0">
-                <a:latin typeface="Arial Black" panose="020B0A04020102020204" pitchFamily="34" charset="0"/>
-              </a:rPr>
-              <a:t>Footer: Desktop &amp; Responsive</a:t>
+              <a:t>Home Screen: Footer: Desktop &amp; Responsive</a:t>
             </a:r>
             <a:endParaRPr lang="en-AU" dirty="0">
               <a:latin typeface="Arial Black" panose="020B0A04020102020204" pitchFamily="34" charset="0"/>
@@ -6589,198 +6949,6 @@
           <a:chExt cx="0" cy="0"/>
         </a:xfrm>
       </p:grpSpPr>
-      <p:cxnSp>
-        <p:nvCxnSpPr>
-          <p:cNvPr id="8" name="Straight Arrow Connector 7"/>
-          <p:cNvCxnSpPr/>
-          <p:nvPr/>
-        </p:nvCxnSpPr>
-        <p:spPr>
-          <a:xfrm rot="16200000" flipH="1">
-            <a:off x="-140878" y="3427287"/>
-            <a:ext cx="709843" cy="476"/>
-          </a:xfrm>
-          <a:prstGeom prst="straightConnector1">
-            <a:avLst/>
-          </a:prstGeom>
-          <a:ln>
-            <a:headEnd type="arrow"/>
-            <a:tailEnd type="arrow"/>
-          </a:ln>
-        </p:spPr>
-        <p:style>
-          <a:lnRef idx="1">
-            <a:schemeClr val="dk1"/>
-          </a:lnRef>
-          <a:fillRef idx="3">
-            <a:schemeClr val="dk1"/>
-          </a:fillRef>
-          <a:effectRef idx="2">
-            <a:schemeClr val="dk1"/>
-          </a:effectRef>
-          <a:fontRef idx="minor">
-            <a:schemeClr val="lt1"/>
-          </a:fontRef>
-        </p:style>
-      </p:cxnSp>
-      <p:sp>
-        <p:nvSpPr>
-          <p:cNvPr id="13" name="TextBox 12"/>
-          <p:cNvSpPr txBox="1"/>
-          <p:nvPr/>
-        </p:nvSpPr>
-        <p:spPr>
-          <a:xfrm>
-            <a:off x="214282" y="3286124"/>
-            <a:ext cx="1000132" cy="214314"/>
-          </a:xfrm>
-          <a:prstGeom prst="rect">
-            <a:avLst/>
-          </a:prstGeom>
-        </p:spPr>
-        <p:style>
-          <a:lnRef idx="1">
-            <a:schemeClr val="dk1"/>
-          </a:lnRef>
-          <a:fillRef idx="3">
-            <a:schemeClr val="dk1"/>
-          </a:fillRef>
-          <a:effectRef idx="2">
-            <a:schemeClr val="dk1"/>
-          </a:effectRef>
-          <a:fontRef idx="minor">
-            <a:schemeClr val="lt1"/>
-          </a:fontRef>
-        </p:style>
-        <p:txBody>
-          <a:bodyPr wrap="square" rtlCol="0">
-            <a:spAutoFit/>
-          </a:bodyPr>
-          <a:lstStyle/>
-          <a:p>
-            <a:r>
-              <a:rPr lang="en-AU" sz="800" b="1" dirty="0" smtClean="0">
-                <a:solidFill>
-                  <a:schemeClr val="accent6"/>
-                </a:solidFill>
-                <a:latin typeface="Arial Black" pitchFamily="34" charset="0"/>
-              </a:rPr>
-              <a:t>100px; #8f8fff</a:t>
-            </a:r>
-            <a:endParaRPr lang="en-US" sz="800" b="1" dirty="0">
-              <a:solidFill>
-                <a:schemeClr val="accent6"/>
-              </a:solidFill>
-              <a:latin typeface="Arial Black" pitchFamily="34" charset="0"/>
-            </a:endParaRPr>
-          </a:p>
-        </p:txBody>
-      </p:sp>
-      <p:cxnSp>
-        <p:nvCxnSpPr>
-          <p:cNvPr id="15" name="Straight Arrow Connector 14"/>
-          <p:cNvCxnSpPr/>
-          <p:nvPr/>
-        </p:nvCxnSpPr>
-        <p:spPr>
-          <a:xfrm rot="10800000">
-            <a:off x="5429256" y="3213097"/>
-            <a:ext cx="300046" cy="1588"/>
-          </a:xfrm>
-          <a:prstGeom prst="straightConnector1">
-            <a:avLst/>
-          </a:prstGeom>
-          <a:ln>
-            <a:tailEnd type="arrow"/>
-          </a:ln>
-        </p:spPr>
-        <p:style>
-          <a:lnRef idx="1">
-            <a:schemeClr val="dk1"/>
-          </a:lnRef>
-          <a:fillRef idx="3">
-            <a:schemeClr val="dk1"/>
-          </a:fillRef>
-          <a:effectRef idx="2">
-            <a:schemeClr val="dk1"/>
-          </a:effectRef>
-          <a:fontRef idx="minor">
-            <a:schemeClr val="lt1"/>
-          </a:fontRef>
-        </p:style>
-      </p:cxnSp>
-      <p:sp>
-        <p:nvSpPr>
-          <p:cNvPr id="19" name="TextBox 18"/>
-          <p:cNvSpPr txBox="1"/>
-          <p:nvPr/>
-        </p:nvSpPr>
-        <p:spPr>
-          <a:xfrm>
-            <a:off x="5572132" y="3213556"/>
-            <a:ext cx="1857388" cy="215444"/>
-          </a:xfrm>
-          <a:prstGeom prst="rect">
-            <a:avLst/>
-          </a:prstGeom>
-        </p:spPr>
-        <p:style>
-          <a:lnRef idx="1">
-            <a:schemeClr val="dk1"/>
-          </a:lnRef>
-          <a:fillRef idx="3">
-            <a:schemeClr val="dk1"/>
-          </a:fillRef>
-          <a:effectRef idx="2">
-            <a:schemeClr val="dk1"/>
-          </a:effectRef>
-          <a:fontRef idx="minor">
-            <a:schemeClr val="lt1"/>
-          </a:fontRef>
-        </p:style>
-        <p:txBody>
-          <a:bodyPr wrap="square" rtlCol="0">
-            <a:spAutoFit/>
-          </a:bodyPr>
-          <a:lstStyle/>
-          <a:p>
-            <a:r>
-              <a:rPr lang="en-AU" sz="800" b="1" dirty="0" smtClean="0">
-                <a:solidFill>
-                  <a:schemeClr val="accent6"/>
-                </a:solidFill>
-                <a:latin typeface="Arial Black" pitchFamily="34" charset="0"/>
-              </a:rPr>
-              <a:t>Arial Narrow, Bold, </a:t>
-            </a:r>
-            <a:r>
-              <a:rPr lang="en-AU" sz="800" b="1" dirty="0" smtClean="0">
-                <a:solidFill>
-                  <a:schemeClr val="accent6"/>
-                </a:solidFill>
-                <a:latin typeface="Arial" pitchFamily="34" charset="0"/>
-                <a:cs typeface="Arial" pitchFamily="34" charset="0"/>
-              </a:rPr>
-              <a:t>12</a:t>
-            </a:r>
-            <a:r>
-              <a:rPr lang="en-AU" sz="800" b="1" dirty="0" smtClean="0">
-                <a:solidFill>
-                  <a:schemeClr val="accent6"/>
-                </a:solidFill>
-                <a:latin typeface="Arial Black" pitchFamily="34" charset="0"/>
-              </a:rPr>
-              <a:t>; #0f0f7f</a:t>
-            </a:r>
-            <a:endParaRPr lang="en-US" sz="800" b="1" dirty="0">
-              <a:solidFill>
-                <a:schemeClr val="accent6"/>
-              </a:solidFill>
-              <a:latin typeface="Arial Black" pitchFamily="34" charset="0"/>
-            </a:endParaRPr>
-          </a:p>
-        </p:txBody>
-      </p:sp>
       <p:pic>
         <p:nvPicPr>
           <p:cNvPr id="1026" name="Picture 2"/>
@@ -6804,8 +6972,8 @@
         </p:blipFill>
         <p:spPr bwMode="auto">
           <a:xfrm>
-            <a:off x="0" y="-1475"/>
-            <a:ext cx="9143999" cy="6859475"/>
+            <a:off x="0" y="1124744"/>
+            <a:ext cx="9143999" cy="2232248"/>
           </a:xfrm>
           <a:prstGeom prst="rect">
             <a:avLst/>
@@ -6837,14 +7005,14 @@
       </p:pic>
       <p:sp>
         <p:nvSpPr>
-          <p:cNvPr id="9" name="TextBox 8"/>
+          <p:cNvPr id="12" name="TextBox 11"/>
           <p:cNvSpPr txBox="1"/>
           <p:nvPr/>
         </p:nvSpPr>
         <p:spPr>
           <a:xfrm>
-            <a:off x="190613" y="692696"/>
-            <a:ext cx="1000132" cy="214314"/>
+            <a:off x="179512" y="2145069"/>
+            <a:ext cx="1368152" cy="461665"/>
           </a:xfrm>
           <a:prstGeom prst="rect">
             <a:avLst/>
@@ -6871,13 +7039,53 @@
           <a:lstStyle/>
           <a:p>
             <a:r>
+              <a:rPr lang="en-AU" sz="800" b="1" dirty="0">
+                <a:solidFill>
+                  <a:schemeClr val="accent6"/>
+                </a:solidFill>
+                <a:latin typeface="Arial Black" pitchFamily="34" charset="0"/>
+              </a:rPr>
+              <a:t>33% </a:t>
+            </a:r>
+            <a:r>
               <a:rPr lang="en-AU" sz="800" b="1" dirty="0" smtClean="0">
                 <a:solidFill>
                   <a:schemeClr val="accent6"/>
                 </a:solidFill>
                 <a:latin typeface="Arial Black" pitchFamily="34" charset="0"/>
               </a:rPr>
-              <a:t>33%;  #8f8fff</a:t>
+              <a:t>#8f8fff;</a:t>
+            </a:r>
+          </a:p>
+          <a:p>
+            <a:r>
+              <a:rPr lang="en-AU" sz="800" b="1" dirty="0" smtClean="0">
+                <a:solidFill>
+                  <a:schemeClr val="accent6"/>
+                </a:solidFill>
+                <a:latin typeface="Arial Black" pitchFamily="34" charset="0"/>
+              </a:rPr>
+              <a:t>34% L</a:t>
+            </a:r>
+            <a:r>
+              <a:rPr lang="en-AU" sz="800" b="1" dirty="0" smtClean="0">
+                <a:solidFill>
+                  <a:schemeClr val="accent6"/>
+                </a:solidFill>
+                <a:latin typeface="Arial Black" pitchFamily="34" charset="0"/>
+              </a:rPr>
+              <a:t>inier gradient;</a:t>
+            </a:r>
+          </a:p>
+          <a:p>
+            <a:r>
+              <a:rPr lang="en-US" sz="800" b="1" dirty="0" smtClean="0">
+                <a:solidFill>
+                  <a:schemeClr val="accent6"/>
+                </a:solidFill>
+                <a:latin typeface="Arial Black" pitchFamily="34" charset="0"/>
+              </a:rPr>
+              <a:t>33% #fff</a:t>
             </a:r>
             <a:endParaRPr lang="en-US" sz="800" b="1" dirty="0">
               <a:solidFill>
@@ -6890,39 +7098,716 @@
       </p:sp>
       <p:sp>
         <p:nvSpPr>
-          <p:cNvPr id="11" name="TextBox 10"/>
+          <p:cNvPr id="10" name="TextBox 9"/>
           <p:cNvSpPr txBox="1"/>
           <p:nvPr/>
         </p:nvSpPr>
         <p:spPr>
           <a:xfrm>
-            <a:off x="215473" y="5013176"/>
-            <a:ext cx="1000132" cy="214314"/>
+            <a:off x="0" y="404664"/>
+            <a:ext cx="9144000" cy="369332"/>
           </a:xfrm>
           <a:prstGeom prst="rect">
             <a:avLst/>
           </a:prstGeom>
-        </p:spPr>
-        <p:style>
-          <a:lnRef idx="1">
-            <a:schemeClr val="dk1"/>
-          </a:lnRef>
-          <a:fillRef idx="3">
-            <a:schemeClr val="dk1"/>
-          </a:fillRef>
-          <a:effectRef idx="2">
-            <a:schemeClr val="dk1"/>
-          </a:effectRef>
-          <a:fontRef idx="minor">
-            <a:schemeClr val="lt1"/>
-          </a:fontRef>
-        </p:style>
+          <a:solidFill>
+            <a:schemeClr val="accent6">
+              <a:lumMod val="60000"/>
+              <a:lumOff val="40000"/>
+            </a:schemeClr>
+          </a:solidFill>
+          <a:ln>
+            <a:noFill/>
+          </a:ln>
+        </p:spPr>
         <p:txBody>
           <a:bodyPr wrap="square" rtlCol="0">
             <a:spAutoFit/>
           </a:bodyPr>
           <a:lstStyle/>
           <a:p>
+            <a:pPr algn="ctr"/>
+            <a:r>
+              <a:rPr lang="en-AU" dirty="0" smtClean="0">
+                <a:latin typeface="Arial Black" panose="020B0A04020102020204" pitchFamily="34" charset="0"/>
+              </a:rPr>
+              <a:t>Home Screen: Body: Desktop &amp; Responsive</a:t>
+            </a:r>
+            <a:endParaRPr lang="en-AU" dirty="0">
+              <a:latin typeface="Arial Black" panose="020B0A04020102020204" pitchFamily="34" charset="0"/>
+            </a:endParaRPr>
+          </a:p>
+        </p:txBody>
+      </p:sp>
+      <p:cxnSp>
+        <p:nvCxnSpPr>
+          <p:cNvPr id="14" name="Straight Arrow Connector 13"/>
+          <p:cNvCxnSpPr/>
+          <p:nvPr/>
+        </p:nvCxnSpPr>
+        <p:spPr>
+          <a:xfrm flipH="1">
+            <a:off x="1" y="1050195"/>
+            <a:ext cx="9143999" cy="0"/>
+          </a:xfrm>
+          <a:prstGeom prst="straightConnector1">
+            <a:avLst/>
+          </a:prstGeom>
+          <a:ln>
+            <a:solidFill>
+              <a:schemeClr val="tx1"/>
+            </a:solidFill>
+            <a:headEnd type="arrow"/>
+            <a:tailEnd type="arrow"/>
+          </a:ln>
+        </p:spPr>
+        <p:style>
+          <a:lnRef idx="1">
+            <a:schemeClr val="accent1"/>
+          </a:lnRef>
+          <a:fillRef idx="0">
+            <a:schemeClr val="accent1"/>
+          </a:fillRef>
+          <a:effectRef idx="0">
+            <a:schemeClr val="accent1"/>
+          </a:effectRef>
+          <a:fontRef idx="minor">
+            <a:schemeClr val="tx1"/>
+          </a:fontRef>
+        </p:style>
+      </p:cxnSp>
+      <p:sp>
+        <p:nvSpPr>
+          <p:cNvPr id="15" name="TextBox 14"/>
+          <p:cNvSpPr txBox="1"/>
+          <p:nvPr/>
+        </p:nvSpPr>
+        <p:spPr>
+          <a:xfrm>
+            <a:off x="3284240" y="836712"/>
+            <a:ext cx="416370" cy="213483"/>
+          </a:xfrm>
+          <a:prstGeom prst="rect">
+            <a:avLst/>
+          </a:prstGeom>
+        </p:spPr>
+        <p:style>
+          <a:lnRef idx="1">
+            <a:schemeClr val="dk1"/>
+          </a:lnRef>
+          <a:fillRef idx="3">
+            <a:schemeClr val="dk1"/>
+          </a:fillRef>
+          <a:effectRef idx="2">
+            <a:schemeClr val="dk1"/>
+          </a:effectRef>
+          <a:fontRef idx="minor">
+            <a:schemeClr val="lt1"/>
+          </a:fontRef>
+        </p:style>
+        <p:txBody>
+          <a:bodyPr wrap="square" rtlCol="0">
+            <a:spAutoFit/>
+          </a:bodyPr>
+          <a:lstStyle/>
+          <a:p>
+            <a:pPr algn="r"/>
+            <a:r>
+              <a:rPr lang="en-AU" sz="800" dirty="0" smtClean="0">
+                <a:solidFill>
+                  <a:schemeClr val="accent6"/>
+                </a:solidFill>
+                <a:latin typeface="Arial Narrow" panose="020B0606020202030204" pitchFamily="34" charset="0"/>
+              </a:rPr>
+              <a:t>100%</a:t>
+            </a:r>
+            <a:endParaRPr lang="en-US" sz="800" dirty="0">
+              <a:solidFill>
+                <a:schemeClr val="accent6"/>
+              </a:solidFill>
+              <a:latin typeface="Arial Narrow" panose="020B0606020202030204" pitchFamily="34" charset="0"/>
+            </a:endParaRPr>
+          </a:p>
+        </p:txBody>
+      </p:sp>
+      <p:cxnSp>
+        <p:nvCxnSpPr>
+          <p:cNvPr id="16" name="Straight Arrow Connector 15"/>
+          <p:cNvCxnSpPr/>
+          <p:nvPr/>
+        </p:nvCxnSpPr>
+        <p:spPr>
+          <a:xfrm flipV="1">
+            <a:off x="179512" y="1124744"/>
+            <a:ext cx="0" cy="2249731"/>
+          </a:xfrm>
+          <a:prstGeom prst="straightConnector1">
+            <a:avLst/>
+          </a:prstGeom>
+          <a:ln>
+            <a:solidFill>
+              <a:schemeClr val="tx1"/>
+            </a:solidFill>
+            <a:headEnd type="arrow"/>
+            <a:tailEnd type="arrow"/>
+          </a:ln>
+        </p:spPr>
+        <p:style>
+          <a:lnRef idx="1">
+            <a:schemeClr val="accent1"/>
+          </a:lnRef>
+          <a:fillRef idx="0">
+            <a:schemeClr val="accent1"/>
+          </a:fillRef>
+          <a:effectRef idx="0">
+            <a:schemeClr val="accent1"/>
+          </a:effectRef>
+          <a:fontRef idx="minor">
+            <a:schemeClr val="tx1"/>
+          </a:fontRef>
+        </p:style>
+      </p:cxnSp>
+      <p:pic>
+        <p:nvPicPr>
+          <p:cNvPr id="18" name="Picture 17"/>
+          <p:cNvPicPr>
+            <a:picLocks noChangeAspect="1"/>
+          </p:cNvPicPr>
+          <p:nvPr/>
+        </p:nvPicPr>
+        <p:blipFill>
+          <a:blip r:embed="rId3"/>
+          <a:stretch>
+            <a:fillRect/>
+          </a:stretch>
+        </p:blipFill>
+        <p:spPr>
+          <a:xfrm>
+            <a:off x="2051720" y="1335209"/>
+            <a:ext cx="4934131" cy="1828800"/>
+          </a:xfrm>
+          <a:prstGeom prst="rect">
+            <a:avLst/>
+          </a:prstGeom>
+        </p:spPr>
+      </p:pic>
+      <p:cxnSp>
+        <p:nvCxnSpPr>
+          <p:cNvPr id="21" name="Straight Arrow Connector 20"/>
+          <p:cNvCxnSpPr/>
+          <p:nvPr/>
+        </p:nvCxnSpPr>
+        <p:spPr>
+          <a:xfrm flipH="1">
+            <a:off x="2033549" y="3284984"/>
+            <a:ext cx="4934131" cy="580"/>
+          </a:xfrm>
+          <a:prstGeom prst="straightConnector1">
+            <a:avLst/>
+          </a:prstGeom>
+          <a:ln>
+            <a:solidFill>
+              <a:schemeClr val="tx1"/>
+            </a:solidFill>
+            <a:headEnd type="arrow"/>
+            <a:tailEnd type="arrow"/>
+          </a:ln>
+        </p:spPr>
+        <p:style>
+          <a:lnRef idx="1">
+            <a:schemeClr val="accent1"/>
+          </a:lnRef>
+          <a:fillRef idx="0">
+            <a:schemeClr val="accent1"/>
+          </a:fillRef>
+          <a:effectRef idx="0">
+            <a:schemeClr val="accent1"/>
+          </a:effectRef>
+          <a:fontRef idx="minor">
+            <a:schemeClr val="tx1"/>
+          </a:fontRef>
+        </p:style>
+      </p:cxnSp>
+      <p:sp>
+        <p:nvSpPr>
+          <p:cNvPr id="22" name="TextBox 21"/>
+          <p:cNvSpPr txBox="1"/>
+          <p:nvPr/>
+        </p:nvSpPr>
+        <p:spPr>
+          <a:xfrm>
+            <a:off x="3563888" y="3141548"/>
+            <a:ext cx="360040" cy="215444"/>
+          </a:xfrm>
+          <a:prstGeom prst="rect">
+            <a:avLst/>
+          </a:prstGeom>
+        </p:spPr>
+        <p:style>
+          <a:lnRef idx="1">
+            <a:schemeClr val="dk1"/>
+          </a:lnRef>
+          <a:fillRef idx="3">
+            <a:schemeClr val="dk1"/>
+          </a:fillRef>
+          <a:effectRef idx="2">
+            <a:schemeClr val="dk1"/>
+          </a:effectRef>
+          <a:fontRef idx="minor">
+            <a:schemeClr val="lt1"/>
+          </a:fontRef>
+        </p:style>
+        <p:txBody>
+          <a:bodyPr wrap="square" rtlCol="0">
+            <a:spAutoFit/>
+          </a:bodyPr>
+          <a:lstStyle/>
+          <a:p>
+            <a:pPr algn="r"/>
+            <a:r>
+              <a:rPr lang="en-AU" sz="800" dirty="0">
+                <a:solidFill>
+                  <a:schemeClr val="accent6"/>
+                </a:solidFill>
+                <a:latin typeface="Arial Narrow" panose="020B0606020202030204" pitchFamily="34" charset="0"/>
+              </a:rPr>
+              <a:t>5</a:t>
+            </a:r>
+            <a:r>
+              <a:rPr lang="en-AU" sz="800" dirty="0" smtClean="0">
+                <a:solidFill>
+                  <a:schemeClr val="accent6"/>
+                </a:solidFill>
+                <a:latin typeface="Arial Narrow" panose="020B0606020202030204" pitchFamily="34" charset="0"/>
+              </a:rPr>
+              <a:t>0%</a:t>
+            </a:r>
+            <a:endParaRPr lang="en-US" sz="800" dirty="0">
+              <a:solidFill>
+                <a:schemeClr val="accent6"/>
+              </a:solidFill>
+              <a:latin typeface="Arial Narrow" panose="020B0606020202030204" pitchFamily="34" charset="0"/>
+            </a:endParaRPr>
+          </a:p>
+        </p:txBody>
+      </p:sp>
+      <p:cxnSp>
+        <p:nvCxnSpPr>
+          <p:cNvPr id="23" name="Straight Arrow Connector 22"/>
+          <p:cNvCxnSpPr/>
+          <p:nvPr/>
+        </p:nvCxnSpPr>
+        <p:spPr>
+          <a:xfrm flipH="1">
+            <a:off x="6967680" y="3285564"/>
+            <a:ext cx="2176320" cy="0"/>
+          </a:xfrm>
+          <a:prstGeom prst="straightConnector1">
+            <a:avLst/>
+          </a:prstGeom>
+          <a:ln>
+            <a:solidFill>
+              <a:schemeClr val="tx1"/>
+            </a:solidFill>
+            <a:headEnd type="arrow"/>
+            <a:tailEnd type="arrow"/>
+          </a:ln>
+        </p:spPr>
+        <p:style>
+          <a:lnRef idx="1">
+            <a:schemeClr val="accent1"/>
+          </a:lnRef>
+          <a:fillRef idx="0">
+            <a:schemeClr val="accent1"/>
+          </a:fillRef>
+          <a:effectRef idx="0">
+            <a:schemeClr val="accent1"/>
+          </a:effectRef>
+          <a:fontRef idx="minor">
+            <a:schemeClr val="tx1"/>
+          </a:fontRef>
+        </p:style>
+      </p:cxnSp>
+      <p:sp>
+        <p:nvSpPr>
+          <p:cNvPr id="24" name="TextBox 23"/>
+          <p:cNvSpPr txBox="1"/>
+          <p:nvPr/>
+        </p:nvSpPr>
+        <p:spPr>
+          <a:xfrm>
+            <a:off x="7812360" y="3141548"/>
+            <a:ext cx="360040" cy="215444"/>
+          </a:xfrm>
+          <a:prstGeom prst="rect">
+            <a:avLst/>
+          </a:prstGeom>
+        </p:spPr>
+        <p:style>
+          <a:lnRef idx="1">
+            <a:schemeClr val="dk1"/>
+          </a:lnRef>
+          <a:fillRef idx="3">
+            <a:schemeClr val="dk1"/>
+          </a:fillRef>
+          <a:effectRef idx="2">
+            <a:schemeClr val="dk1"/>
+          </a:effectRef>
+          <a:fontRef idx="minor">
+            <a:schemeClr val="lt1"/>
+          </a:fontRef>
+        </p:style>
+        <p:txBody>
+          <a:bodyPr wrap="square" rtlCol="0">
+            <a:spAutoFit/>
+          </a:bodyPr>
+          <a:lstStyle/>
+          <a:p>
+            <a:pPr algn="r"/>
+            <a:r>
+              <a:rPr lang="en-AU" sz="800" dirty="0" smtClean="0">
+                <a:solidFill>
+                  <a:schemeClr val="accent6"/>
+                </a:solidFill>
+                <a:latin typeface="Arial Narrow" panose="020B0606020202030204" pitchFamily="34" charset="0"/>
+              </a:rPr>
+              <a:t>25</a:t>
+            </a:r>
+            <a:r>
+              <a:rPr lang="en-AU" sz="800" dirty="0" smtClean="0">
+                <a:solidFill>
+                  <a:schemeClr val="accent6"/>
+                </a:solidFill>
+                <a:latin typeface="Arial Narrow" panose="020B0606020202030204" pitchFamily="34" charset="0"/>
+              </a:rPr>
+              <a:t>%</a:t>
+            </a:r>
+            <a:endParaRPr lang="en-US" sz="800" dirty="0">
+              <a:solidFill>
+                <a:schemeClr val="accent6"/>
+              </a:solidFill>
+              <a:latin typeface="Arial Narrow" panose="020B0606020202030204" pitchFamily="34" charset="0"/>
+            </a:endParaRPr>
+          </a:p>
+        </p:txBody>
+      </p:sp>
+      <p:cxnSp>
+        <p:nvCxnSpPr>
+          <p:cNvPr id="27" name="Straight Arrow Connector 26"/>
+          <p:cNvCxnSpPr/>
+          <p:nvPr/>
+        </p:nvCxnSpPr>
+        <p:spPr>
+          <a:xfrm flipH="1">
+            <a:off x="-36512" y="3284984"/>
+            <a:ext cx="2088232" cy="0"/>
+          </a:xfrm>
+          <a:prstGeom prst="straightConnector1">
+            <a:avLst/>
+          </a:prstGeom>
+          <a:ln>
+            <a:solidFill>
+              <a:schemeClr val="tx1"/>
+            </a:solidFill>
+            <a:headEnd type="arrow"/>
+            <a:tailEnd type="arrow"/>
+          </a:ln>
+        </p:spPr>
+        <p:style>
+          <a:lnRef idx="1">
+            <a:schemeClr val="accent1"/>
+          </a:lnRef>
+          <a:fillRef idx="0">
+            <a:schemeClr val="accent1"/>
+          </a:fillRef>
+          <a:effectRef idx="0">
+            <a:schemeClr val="accent1"/>
+          </a:effectRef>
+          <a:fontRef idx="minor">
+            <a:schemeClr val="tx1"/>
+          </a:fontRef>
+        </p:style>
+      </p:cxnSp>
+      <p:sp>
+        <p:nvSpPr>
+          <p:cNvPr id="28" name="TextBox 27"/>
+          <p:cNvSpPr txBox="1"/>
+          <p:nvPr/>
+        </p:nvSpPr>
+        <p:spPr>
+          <a:xfrm>
+            <a:off x="808168" y="3141548"/>
+            <a:ext cx="360040" cy="215444"/>
+          </a:xfrm>
+          <a:prstGeom prst="rect">
+            <a:avLst/>
+          </a:prstGeom>
+        </p:spPr>
+        <p:style>
+          <a:lnRef idx="1">
+            <a:schemeClr val="dk1"/>
+          </a:lnRef>
+          <a:fillRef idx="3">
+            <a:schemeClr val="dk1"/>
+          </a:fillRef>
+          <a:effectRef idx="2">
+            <a:schemeClr val="dk1"/>
+          </a:effectRef>
+          <a:fontRef idx="minor">
+            <a:schemeClr val="lt1"/>
+          </a:fontRef>
+        </p:style>
+        <p:txBody>
+          <a:bodyPr wrap="square" rtlCol="0">
+            <a:spAutoFit/>
+          </a:bodyPr>
+          <a:lstStyle/>
+          <a:p>
+            <a:pPr algn="r"/>
+            <a:r>
+              <a:rPr lang="en-AU" sz="800" dirty="0" smtClean="0">
+                <a:solidFill>
+                  <a:schemeClr val="accent6"/>
+                </a:solidFill>
+                <a:latin typeface="Arial Narrow" panose="020B0606020202030204" pitchFamily="34" charset="0"/>
+              </a:rPr>
+              <a:t>25</a:t>
+            </a:r>
+            <a:r>
+              <a:rPr lang="en-AU" sz="800" dirty="0" smtClean="0">
+                <a:solidFill>
+                  <a:schemeClr val="accent6"/>
+                </a:solidFill>
+                <a:latin typeface="Arial Narrow" panose="020B0606020202030204" pitchFamily="34" charset="0"/>
+              </a:rPr>
+              <a:t>%</a:t>
+            </a:r>
+            <a:endParaRPr lang="en-US" sz="800" dirty="0">
+              <a:solidFill>
+                <a:schemeClr val="accent6"/>
+              </a:solidFill>
+              <a:latin typeface="Arial Narrow" panose="020B0606020202030204" pitchFamily="34" charset="0"/>
+            </a:endParaRPr>
+          </a:p>
+        </p:txBody>
+      </p:sp>
+      <p:cxnSp>
+        <p:nvCxnSpPr>
+          <p:cNvPr id="31" name="Straight Arrow Connector 30"/>
+          <p:cNvCxnSpPr/>
+          <p:nvPr/>
+        </p:nvCxnSpPr>
+        <p:spPr>
+          <a:xfrm flipV="1">
+            <a:off x="2339752" y="1124744"/>
+            <a:ext cx="0" cy="239783"/>
+          </a:xfrm>
+          <a:prstGeom prst="straightConnector1">
+            <a:avLst/>
+          </a:prstGeom>
+          <a:ln>
+            <a:solidFill>
+              <a:schemeClr val="tx1"/>
+            </a:solidFill>
+            <a:headEnd type="arrow"/>
+            <a:tailEnd type="arrow"/>
+          </a:ln>
+        </p:spPr>
+        <p:style>
+          <a:lnRef idx="1">
+            <a:schemeClr val="accent1"/>
+          </a:lnRef>
+          <a:fillRef idx="0">
+            <a:schemeClr val="accent1"/>
+          </a:fillRef>
+          <a:effectRef idx="0">
+            <a:schemeClr val="accent1"/>
+          </a:effectRef>
+          <a:fontRef idx="minor">
+            <a:schemeClr val="tx1"/>
+          </a:fontRef>
+        </p:style>
+      </p:cxnSp>
+      <p:sp>
+        <p:nvSpPr>
+          <p:cNvPr id="33" name="TextBox 32"/>
+          <p:cNvSpPr txBox="1"/>
+          <p:nvPr/>
+        </p:nvSpPr>
+        <p:spPr>
+          <a:xfrm>
+            <a:off x="2427438" y="1127285"/>
+            <a:ext cx="416370" cy="213483"/>
+          </a:xfrm>
+          <a:prstGeom prst="rect">
+            <a:avLst/>
+          </a:prstGeom>
+        </p:spPr>
+        <p:style>
+          <a:lnRef idx="1">
+            <a:schemeClr val="dk1"/>
+          </a:lnRef>
+          <a:fillRef idx="3">
+            <a:schemeClr val="dk1"/>
+          </a:fillRef>
+          <a:effectRef idx="2">
+            <a:schemeClr val="dk1"/>
+          </a:effectRef>
+          <a:fontRef idx="minor">
+            <a:schemeClr val="lt1"/>
+          </a:fontRef>
+        </p:style>
+        <p:txBody>
+          <a:bodyPr wrap="square" rtlCol="0">
+            <a:spAutoFit/>
+          </a:bodyPr>
+          <a:lstStyle/>
+          <a:p>
+            <a:pPr algn="r"/>
+            <a:r>
+              <a:rPr lang="en-AU" sz="800" dirty="0" smtClean="0">
+                <a:solidFill>
+                  <a:schemeClr val="accent6"/>
+                </a:solidFill>
+                <a:latin typeface="Arial Narrow" panose="020B0606020202030204" pitchFamily="34" charset="0"/>
+              </a:rPr>
+              <a:t>10px</a:t>
+            </a:r>
+            <a:endParaRPr lang="en-US" sz="800" dirty="0">
+              <a:solidFill>
+                <a:schemeClr val="accent6"/>
+              </a:solidFill>
+              <a:latin typeface="Arial Narrow" panose="020B0606020202030204" pitchFamily="34" charset="0"/>
+            </a:endParaRPr>
+          </a:p>
+        </p:txBody>
+      </p:sp>
+      <p:cxnSp>
+        <p:nvCxnSpPr>
+          <p:cNvPr id="34" name="Straight Arrow Connector 33"/>
+          <p:cNvCxnSpPr/>
+          <p:nvPr/>
+        </p:nvCxnSpPr>
+        <p:spPr>
+          <a:xfrm flipV="1">
+            <a:off x="2411760" y="3140968"/>
+            <a:ext cx="0" cy="239783"/>
+          </a:xfrm>
+          <a:prstGeom prst="straightConnector1">
+            <a:avLst/>
+          </a:prstGeom>
+          <a:ln>
+            <a:solidFill>
+              <a:schemeClr val="tx1"/>
+            </a:solidFill>
+            <a:headEnd type="arrow"/>
+            <a:tailEnd type="arrow"/>
+          </a:ln>
+        </p:spPr>
+        <p:style>
+          <a:lnRef idx="1">
+            <a:schemeClr val="accent1"/>
+          </a:lnRef>
+          <a:fillRef idx="0">
+            <a:schemeClr val="accent1"/>
+          </a:fillRef>
+          <a:effectRef idx="0">
+            <a:schemeClr val="accent1"/>
+          </a:effectRef>
+          <a:fontRef idx="minor">
+            <a:schemeClr val="tx1"/>
+          </a:fontRef>
+        </p:style>
+      </p:cxnSp>
+      <p:sp>
+        <p:nvSpPr>
+          <p:cNvPr id="35" name="TextBox 34"/>
+          <p:cNvSpPr txBox="1"/>
+          <p:nvPr/>
+        </p:nvSpPr>
+        <p:spPr>
+          <a:xfrm>
+            <a:off x="2483768" y="3167268"/>
+            <a:ext cx="416370" cy="213483"/>
+          </a:xfrm>
+          <a:prstGeom prst="rect">
+            <a:avLst/>
+          </a:prstGeom>
+        </p:spPr>
+        <p:style>
+          <a:lnRef idx="1">
+            <a:schemeClr val="dk1"/>
+          </a:lnRef>
+          <a:fillRef idx="3">
+            <a:schemeClr val="dk1"/>
+          </a:fillRef>
+          <a:effectRef idx="2">
+            <a:schemeClr val="dk1"/>
+          </a:effectRef>
+          <a:fontRef idx="minor">
+            <a:schemeClr val="lt1"/>
+          </a:fontRef>
+        </p:style>
+        <p:txBody>
+          <a:bodyPr wrap="square" rtlCol="0">
+            <a:spAutoFit/>
+          </a:bodyPr>
+          <a:lstStyle/>
+          <a:p>
+            <a:pPr algn="r"/>
+            <a:r>
+              <a:rPr lang="en-AU" sz="800" dirty="0" smtClean="0">
+                <a:solidFill>
+                  <a:schemeClr val="accent6"/>
+                </a:solidFill>
+                <a:latin typeface="Arial Narrow" panose="020B0606020202030204" pitchFamily="34" charset="0"/>
+              </a:rPr>
+              <a:t>10px</a:t>
+            </a:r>
+            <a:endParaRPr lang="en-US" sz="800" dirty="0">
+              <a:solidFill>
+                <a:schemeClr val="accent6"/>
+              </a:solidFill>
+              <a:latin typeface="Arial Narrow" panose="020B0606020202030204" pitchFamily="34" charset="0"/>
+            </a:endParaRPr>
+          </a:p>
+        </p:txBody>
+      </p:sp>
+      <p:sp>
+        <p:nvSpPr>
+          <p:cNvPr id="38" name="TextBox 37"/>
+          <p:cNvSpPr txBox="1"/>
+          <p:nvPr/>
+        </p:nvSpPr>
+        <p:spPr>
+          <a:xfrm>
+            <a:off x="7344307" y="2459187"/>
+            <a:ext cx="972108" cy="584775"/>
+          </a:xfrm>
+          <a:prstGeom prst="rect">
+            <a:avLst/>
+          </a:prstGeom>
+        </p:spPr>
+        <p:style>
+          <a:lnRef idx="1">
+            <a:schemeClr val="dk1"/>
+          </a:lnRef>
+          <a:fillRef idx="3">
+            <a:schemeClr val="dk1"/>
+          </a:fillRef>
+          <a:effectRef idx="2">
+            <a:schemeClr val="dk1"/>
+          </a:effectRef>
+          <a:fontRef idx="minor">
+            <a:schemeClr val="lt1"/>
+          </a:fontRef>
+        </p:style>
+        <p:txBody>
+          <a:bodyPr wrap="square" rtlCol="0">
+            <a:spAutoFit/>
+          </a:bodyPr>
+          <a:lstStyle/>
+          <a:p>
             <a:r>
               <a:rPr lang="en-AU" sz="800" b="1" dirty="0" smtClean="0">
                 <a:solidFill>
@@ -6930,16 +7815,7 @@
                 </a:solidFill>
                 <a:latin typeface="Arial Black" pitchFamily="34" charset="0"/>
               </a:rPr>
-              <a:t>33%;  #</a:t>
-            </a:r>
-            <a:r>
-              <a:rPr lang="en-AU" sz="800" b="1" dirty="0" err="1" smtClean="0">
-                <a:solidFill>
-                  <a:schemeClr val="accent6"/>
-                </a:solidFill>
-                <a:latin typeface="Arial Black" pitchFamily="34" charset="0"/>
-              </a:rPr>
-              <a:t>ffffff</a:t>
+              <a:t>Background: Blackboard Image (to be created)</a:t>
             </a:r>
             <a:endParaRPr lang="en-US" sz="800" b="1" dirty="0">
               <a:solidFill>
@@ -6950,21 +7826,48 @@
           </a:p>
         </p:txBody>
       </p:sp>
-      <p:sp>
-        <p:nvSpPr>
-          <p:cNvPr id="12" name="TextBox 11"/>
-          <p:cNvSpPr txBox="1"/>
-          <p:nvPr/>
-        </p:nvSpPr>
-        <p:spPr>
-          <a:xfrm>
-            <a:off x="215593" y="3201837"/>
-            <a:ext cx="1000132" cy="338554"/>
+      <p:pic>
+        <p:nvPicPr>
+          <p:cNvPr id="39" name="Picture 38"/>
+          <p:cNvPicPr>
+            <a:picLocks noChangeAspect="1"/>
+          </p:cNvPicPr>
+          <p:nvPr/>
+        </p:nvPicPr>
+        <p:blipFill>
+          <a:blip r:embed="rId4"/>
+          <a:stretch>
+            <a:fillRect/>
+          </a:stretch>
+        </p:blipFill>
+        <p:spPr>
+          <a:xfrm>
+            <a:off x="4762" y="3398490"/>
+            <a:ext cx="9134475" cy="2190750"/>
           </a:xfrm>
           <a:prstGeom prst="rect">
             <a:avLst/>
           </a:prstGeom>
         </p:spPr>
+      </p:pic>
+      <p:cxnSp>
+        <p:nvCxnSpPr>
+          <p:cNvPr id="37" name="Straight Arrow Connector 36"/>
+          <p:cNvCxnSpPr/>
+          <p:nvPr/>
+        </p:nvCxnSpPr>
+        <p:spPr>
+          <a:xfrm>
+            <a:off x="7344308" y="2939488"/>
+            <a:ext cx="0" cy="489512"/>
+          </a:xfrm>
+          <a:prstGeom prst="straightConnector1">
+            <a:avLst/>
+          </a:prstGeom>
+          <a:ln>
+            <a:tailEnd type="arrow"/>
+          </a:ln>
+        </p:spPr>
         <p:style>
           <a:lnRef idx="1">
             <a:schemeClr val="dk1"/>
@@ -6979,48 +7882,7 @@
             <a:schemeClr val="lt1"/>
           </a:fontRef>
         </p:style>
-        <p:txBody>
-          <a:bodyPr wrap="square" rtlCol="0">
-            <a:spAutoFit/>
-          </a:bodyPr>
-          <a:lstStyle/>
-          <a:p>
-            <a:r>
-              <a:rPr lang="en-AU" sz="800" b="1" dirty="0" smtClean="0">
-                <a:solidFill>
-                  <a:schemeClr val="accent6"/>
-                </a:solidFill>
-                <a:latin typeface="Arial Black" pitchFamily="34" charset="0"/>
-              </a:rPr>
-              <a:t>34%;  linier </a:t>
-            </a:r>
-            <a:r>
-              <a:rPr lang="en-AU" sz="800" b="1" dirty="0" err="1" smtClean="0">
-                <a:solidFill>
-                  <a:schemeClr val="accent6"/>
-                </a:solidFill>
-                <a:latin typeface="Arial Black" pitchFamily="34" charset="0"/>
-              </a:rPr>
-              <a:t>color</a:t>
-            </a:r>
-            <a:r>
-              <a:rPr lang="en-AU" sz="800" b="1" dirty="0" smtClean="0">
-                <a:solidFill>
-                  <a:schemeClr val="accent6"/>
-                </a:solidFill>
-                <a:latin typeface="Arial Black" pitchFamily="34" charset="0"/>
-              </a:rPr>
-              <a:t> gradient</a:t>
-            </a:r>
-            <a:endParaRPr lang="en-US" sz="800" b="1" dirty="0">
-              <a:solidFill>
-                <a:schemeClr val="accent6"/>
-              </a:solidFill>
-              <a:latin typeface="Arial Black" pitchFamily="34" charset="0"/>
-            </a:endParaRPr>
-          </a:p>
-        </p:txBody>
-      </p:sp>
+      </p:cxnSp>
     </p:spTree>
     <p:extLst>
       <p:ext uri="{BB962C8B-B14F-4D97-AF65-F5344CB8AC3E}">

--- a/ProjectExecution/BA/SpecsWireframes/001Wireframes.pptx
+++ b/ProjectExecution/BA/SpecsWireframes/001Wireframes.pptx
@@ -111,7 +111,7 @@
   </p:defaultTextStyle>
   <p:extLst>
     <p:ext uri="{EFAFB233-063F-42B5-8137-9DF3F51BA10A}">
-      <p15:sldGuideLst xmlns:p15="http://schemas.microsoft.com/office/powerpoint/2012/main">
+      <p15:sldGuideLst xmlns="" xmlns:p15="http://schemas.microsoft.com/office/powerpoint/2012/main">
         <p15:guide id="1" orient="horz" pos="2160">
           <p15:clr>
             <a:srgbClr val="A4A3A4"/>
@@ -309,7 +309,7 @@
           <a:p>
             <a:fld id="{E3674C62-6B24-4F54-B962-366960A0168F}" type="datetimeFigureOut">
               <a:rPr lang="en-US" smtClean="0"/>
-              <a:t>7/5/2020</a:t>
+              <a:t>7/21/2020</a:t>
             </a:fld>
             <a:endParaRPr lang="en-US"/>
           </a:p>
@@ -474,7 +474,7 @@
           <a:p>
             <a:fld id="{E3674C62-6B24-4F54-B962-366960A0168F}" type="datetimeFigureOut">
               <a:rPr lang="en-US" smtClean="0"/>
-              <a:t>7/5/2020</a:t>
+              <a:t>7/21/2020</a:t>
             </a:fld>
             <a:endParaRPr lang="en-US"/>
           </a:p>
@@ -649,7 +649,7 @@
           <a:p>
             <a:fld id="{E3674C62-6B24-4F54-B962-366960A0168F}" type="datetimeFigureOut">
               <a:rPr lang="en-US" smtClean="0"/>
-              <a:t>7/5/2020</a:t>
+              <a:t>7/21/2020</a:t>
             </a:fld>
             <a:endParaRPr lang="en-US"/>
           </a:p>
@@ -814,7 +814,7 @@
           <a:p>
             <a:fld id="{E3674C62-6B24-4F54-B962-366960A0168F}" type="datetimeFigureOut">
               <a:rPr lang="en-US" smtClean="0"/>
-              <a:t>7/5/2020</a:t>
+              <a:t>7/21/2020</a:t>
             </a:fld>
             <a:endParaRPr lang="en-US"/>
           </a:p>
@@ -1055,7 +1055,7 @@
           <a:p>
             <a:fld id="{E3674C62-6B24-4F54-B962-366960A0168F}" type="datetimeFigureOut">
               <a:rPr lang="en-US" smtClean="0"/>
-              <a:t>7/5/2020</a:t>
+              <a:t>7/21/2020</a:t>
             </a:fld>
             <a:endParaRPr lang="en-US"/>
           </a:p>
@@ -1338,7 +1338,7 @@
           <a:p>
             <a:fld id="{E3674C62-6B24-4F54-B962-366960A0168F}" type="datetimeFigureOut">
               <a:rPr lang="en-US" smtClean="0"/>
-              <a:t>7/5/2020</a:t>
+              <a:t>7/21/2020</a:t>
             </a:fld>
             <a:endParaRPr lang="en-US"/>
           </a:p>
@@ -1755,7 +1755,7 @@
           <a:p>
             <a:fld id="{E3674C62-6B24-4F54-B962-366960A0168F}" type="datetimeFigureOut">
               <a:rPr lang="en-US" smtClean="0"/>
-              <a:t>7/5/2020</a:t>
+              <a:t>7/21/2020</a:t>
             </a:fld>
             <a:endParaRPr lang="en-US"/>
           </a:p>
@@ -1868,7 +1868,7 @@
           <a:p>
             <a:fld id="{E3674C62-6B24-4F54-B962-366960A0168F}" type="datetimeFigureOut">
               <a:rPr lang="en-US" smtClean="0"/>
-              <a:t>7/5/2020</a:t>
+              <a:t>7/21/2020</a:t>
             </a:fld>
             <a:endParaRPr lang="en-US"/>
           </a:p>
@@ -1958,7 +1958,7 @@
           <a:p>
             <a:fld id="{E3674C62-6B24-4F54-B962-366960A0168F}" type="datetimeFigureOut">
               <a:rPr lang="en-US" smtClean="0"/>
-              <a:t>7/5/2020</a:t>
+              <a:t>7/21/2020</a:t>
             </a:fld>
             <a:endParaRPr lang="en-US"/>
           </a:p>
@@ -2230,7 +2230,7 @@
           <a:p>
             <a:fld id="{E3674C62-6B24-4F54-B962-366960A0168F}" type="datetimeFigureOut">
               <a:rPr lang="en-US" smtClean="0"/>
-              <a:t>7/5/2020</a:t>
+              <a:t>7/21/2020</a:t>
             </a:fld>
             <a:endParaRPr lang="en-US"/>
           </a:p>
@@ -2478,7 +2478,7 @@
           <a:p>
             <a:fld id="{E3674C62-6B24-4F54-B962-366960A0168F}" type="datetimeFigureOut">
               <a:rPr lang="en-US" smtClean="0"/>
-              <a:t>7/5/2020</a:t>
+              <a:t>7/21/2020</a:t>
             </a:fld>
             <a:endParaRPr lang="en-US"/>
           </a:p>
@@ -2686,7 +2686,7 @@
           <a:p>
             <a:fld id="{E3674C62-6B24-4F54-B962-366960A0168F}" type="datetimeFigureOut">
               <a:rPr lang="en-US" smtClean="0"/>
-              <a:t>7/5/2020</a:t>
+              <a:t>7/21/2020</a:t>
             </a:fld>
             <a:endParaRPr lang="en-US"/>
           </a:p>
@@ -5368,41 +5368,17 @@
                 </a:solidFill>
                 <a:latin typeface="Arial Black" pitchFamily="34" charset="0"/>
               </a:rPr>
-              <a:t>; Ariel Bold 24; </a:t>
-            </a:r>
-            <a:r>
-              <a:rPr lang="en-AU" sz="800" b="1" dirty="0" smtClean="0">
+              <a:t>; Ariel Bold 24; #0f0f7f </a:t>
+            </a:r>
+            <a:r>
+              <a:rPr lang="en-AU" sz="800" b="1" dirty="0">
                 <a:solidFill>
                   <a:schemeClr val="accent6"/>
                 </a:solidFill>
                 <a:latin typeface="Arial Black" pitchFamily="34" charset="0"/>
               </a:rPr>
-              <a:t>#0f0f7f </a:t>
-            </a:r>
-            <a:r>
-              <a:rPr lang="en-AU" sz="800" b="1" dirty="0">
-                <a:solidFill>
-                  <a:schemeClr val="accent6"/>
-                </a:solidFill>
-                <a:latin typeface="Arial Black" pitchFamily="34" charset="0"/>
-              </a:rPr>
-              <a:t>(Active </a:t>
-            </a:r>
-            <a:r>
-              <a:rPr lang="en-AU" sz="800" b="1" dirty="0">
-                <a:solidFill>
-                  <a:schemeClr val="accent6"/>
-                </a:solidFill>
-                <a:latin typeface="Arial Black" pitchFamily="34" charset="0"/>
-              </a:rPr>
-              <a:t># 8f8fff)</a:t>
-            </a:r>
-            <a:endParaRPr lang="en-AU" sz="800" b="1" dirty="0">
-              <a:solidFill>
-                <a:schemeClr val="accent6"/>
-              </a:solidFill>
-              <a:latin typeface="Arial Black" pitchFamily="34" charset="0"/>
-            </a:endParaRPr>
+              <a:t>(Active # 8f8fff)</a:t>
+            </a:r>
           </a:p>
         </p:txBody>
       </p:sp>
@@ -7065,16 +7041,7 @@
                 </a:solidFill>
                 <a:latin typeface="Arial Black" pitchFamily="34" charset="0"/>
               </a:rPr>
-              <a:t>34% L</a:t>
-            </a:r>
-            <a:r>
-              <a:rPr lang="en-AU" sz="800" b="1" dirty="0" smtClean="0">
-                <a:solidFill>
-                  <a:schemeClr val="accent6"/>
-                </a:solidFill>
-                <a:latin typeface="Arial Black" pitchFamily="34" charset="0"/>
-              </a:rPr>
-              <a:t>inier gradient;</a:t>
+              <a:t>34% Linier gradient;</a:t>
             </a:r>
           </a:p>
           <a:p>
@@ -7471,16 +7438,7 @@
                 </a:solidFill>
                 <a:latin typeface="Arial Narrow" panose="020B0606020202030204" pitchFamily="34" charset="0"/>
               </a:rPr>
-              <a:t>25</a:t>
-            </a:r>
-            <a:r>
-              <a:rPr lang="en-AU" sz="800" dirty="0" smtClean="0">
-                <a:solidFill>
-                  <a:schemeClr val="accent6"/>
-                </a:solidFill>
-                <a:latin typeface="Arial Narrow" panose="020B0606020202030204" pitchFamily="34" charset="0"/>
-              </a:rPr>
-              <a:t>%</a:t>
+              <a:t>25%</a:t>
             </a:r>
             <a:endParaRPr lang="en-US" sz="800" dirty="0">
               <a:solidFill>
@@ -7571,16 +7529,7 @@
                 </a:solidFill>
                 <a:latin typeface="Arial Narrow" panose="020B0606020202030204" pitchFamily="34" charset="0"/>
               </a:rPr>
-              <a:t>25</a:t>
-            </a:r>
-            <a:r>
-              <a:rPr lang="en-AU" sz="800" dirty="0" smtClean="0">
-                <a:solidFill>
-                  <a:schemeClr val="accent6"/>
-                </a:solidFill>
-                <a:latin typeface="Arial Narrow" panose="020B0606020202030204" pitchFamily="34" charset="0"/>
-              </a:rPr>
-              <a:t>%</a:t>
+              <a:t>25%</a:t>
             </a:r>
             <a:endParaRPr lang="en-US" sz="800" dirty="0">
               <a:solidFill>
@@ -8153,80 +8102,6 @@
           </a:p>
         </p:txBody>
       </p:sp>
-      <p:cxnSp>
-        <p:nvCxnSpPr>
-          <p:cNvPr id="10" name="Elbow Connector 9"/>
-          <p:cNvCxnSpPr/>
-          <p:nvPr/>
-        </p:nvCxnSpPr>
-        <p:spPr>
-          <a:xfrm>
-            <a:off x="1619672" y="2672626"/>
-            <a:ext cx="2184889" cy="107722"/>
-          </a:xfrm>
-          <a:prstGeom prst="bentConnector3">
-            <a:avLst/>
-          </a:prstGeom>
-          <a:ln>
-            <a:solidFill>
-              <a:schemeClr val="tx1"/>
-            </a:solidFill>
-            <a:tailEnd type="arrow"/>
-          </a:ln>
-        </p:spPr>
-        <p:style>
-          <a:lnRef idx="1">
-            <a:schemeClr val="accent1"/>
-          </a:lnRef>
-          <a:fillRef idx="0">
-            <a:schemeClr val="accent1"/>
-          </a:fillRef>
-          <a:effectRef idx="0">
-            <a:schemeClr val="accent1"/>
-          </a:effectRef>
-          <a:fontRef idx="minor">
-            <a:schemeClr val="tx1"/>
-          </a:fontRef>
-        </p:style>
-      </p:cxnSp>
-      <p:cxnSp>
-        <p:nvCxnSpPr>
-          <p:cNvPr id="15" name="Elbow Connector 14"/>
-          <p:cNvCxnSpPr>
-            <a:endCxn id="14" idx="1"/>
-          </p:cNvCxnSpPr>
-          <p:nvPr/>
-        </p:nvCxnSpPr>
-        <p:spPr>
-          <a:xfrm>
-            <a:off x="3059832" y="2420888"/>
-            <a:ext cx="744729" cy="251738"/>
-          </a:xfrm>
-          <a:prstGeom prst="bentConnector3">
-            <a:avLst/>
-          </a:prstGeom>
-          <a:ln>
-            <a:solidFill>
-              <a:schemeClr val="tx1"/>
-            </a:solidFill>
-            <a:tailEnd type="arrow"/>
-          </a:ln>
-        </p:spPr>
-        <p:style>
-          <a:lnRef idx="1">
-            <a:schemeClr val="accent1"/>
-          </a:lnRef>
-          <a:fillRef idx="0">
-            <a:schemeClr val="accent1"/>
-          </a:fillRef>
-          <a:effectRef idx="0">
-            <a:schemeClr val="accent1"/>
-          </a:effectRef>
-          <a:fontRef idx="minor">
-            <a:schemeClr val="tx1"/>
-          </a:fontRef>
-        </p:style>
-      </p:cxnSp>
       <p:sp>
         <p:nvSpPr>
           <p:cNvPr id="21" name="TextBox 20"/>
@@ -8723,51 +8598,69 @@
           </a:fontRef>
         </p:style>
       </p:cxnSp>
+      <p:sp>
+        <p:nvSpPr>
+          <p:cNvPr id="46" name="TextBox 45"/>
+          <p:cNvSpPr txBox="1"/>
+          <p:nvPr/>
+        </p:nvSpPr>
+        <p:spPr>
+          <a:xfrm>
+            <a:off x="5334448" y="4041358"/>
+            <a:ext cx="1857388" cy="215444"/>
+          </a:xfrm>
+          <a:prstGeom prst="rect">
+            <a:avLst/>
+          </a:prstGeom>
+        </p:spPr>
+        <p:style>
+          <a:lnRef idx="1">
+            <a:schemeClr val="dk1"/>
+          </a:lnRef>
+          <a:fillRef idx="3">
+            <a:schemeClr val="dk1"/>
+          </a:fillRef>
+          <a:effectRef idx="2">
+            <a:schemeClr val="dk1"/>
+          </a:effectRef>
+          <a:fontRef idx="minor">
+            <a:schemeClr val="lt1"/>
+          </a:fontRef>
+        </p:style>
+        <p:txBody>
+          <a:bodyPr wrap="square" rtlCol="0">
+            <a:spAutoFit/>
+          </a:bodyPr>
+          <a:lstStyle/>
+          <a:p>
+            <a:r>
+              <a:rPr lang="en-AU" sz="800" b="1" dirty="0" smtClean="0">
+                <a:solidFill>
+                  <a:schemeClr val="accent6"/>
+                </a:solidFill>
+                <a:latin typeface="Arial Black" pitchFamily="34" charset="0"/>
+              </a:rPr>
+              <a:t>Arial Narrow, 8; #7f7fff</a:t>
+            </a:r>
+            <a:endParaRPr lang="en-US" sz="800" b="1" dirty="0">
+              <a:solidFill>
+                <a:schemeClr val="accent6"/>
+              </a:solidFill>
+              <a:latin typeface="Arial Black" pitchFamily="34" charset="0"/>
+            </a:endParaRPr>
+          </a:p>
+        </p:txBody>
+      </p:sp>
       <p:cxnSp>
         <p:nvCxnSpPr>
-          <p:cNvPr id="39" name="Straight Connector 38"/>
+          <p:cNvPr id="54" name="Straight Arrow Connector 53"/>
           <p:cNvCxnSpPr/>
           <p:nvPr/>
         </p:nvCxnSpPr>
         <p:spPr>
           <a:xfrm>
-            <a:off x="1331640" y="2852936"/>
-            <a:ext cx="2563601" cy="0"/>
-          </a:xfrm>
-          <a:prstGeom prst="line">
-            <a:avLst/>
-          </a:prstGeom>
-          <a:ln>
-            <a:solidFill>
-              <a:schemeClr val="tx1"/>
-            </a:solidFill>
-          </a:ln>
-        </p:spPr>
-        <p:style>
-          <a:lnRef idx="1">
-            <a:schemeClr val="accent1"/>
-          </a:lnRef>
-          <a:fillRef idx="0">
-            <a:schemeClr val="accent1"/>
-          </a:fillRef>
-          <a:effectRef idx="0">
-            <a:schemeClr val="accent1"/>
-          </a:effectRef>
-          <a:fontRef idx="minor">
-            <a:schemeClr val="tx1"/>
-          </a:fontRef>
-        </p:style>
-      </p:cxnSp>
-      <p:cxnSp>
-        <p:nvCxnSpPr>
-          <p:cNvPr id="43" name="Straight Arrow Connector 42"/>
-          <p:cNvCxnSpPr/>
-          <p:nvPr/>
-        </p:nvCxnSpPr>
-        <p:spPr>
-          <a:xfrm flipV="1">
-            <a:off x="3895241" y="2780348"/>
-            <a:ext cx="0" cy="72588"/>
+            <a:off x="6876256" y="3933056"/>
+            <a:ext cx="0" cy="108302"/>
           </a:xfrm>
           <a:prstGeom prst="straightConnector1">
             <a:avLst/>
@@ -8794,15 +8687,50 @@
           </a:fontRef>
         </p:style>
       </p:cxnSp>
-      <p:sp>
-        <p:nvSpPr>
-          <p:cNvPr id="46" name="TextBox 45"/>
+      <p:cxnSp>
+        <p:nvCxnSpPr>
+          <p:cNvPr id="56" name="Straight Connector 55"/>
+          <p:cNvCxnSpPr/>
+          <p:nvPr/>
+        </p:nvCxnSpPr>
+        <p:spPr>
+          <a:xfrm flipH="1">
+            <a:off x="6660232" y="3933056"/>
+            <a:ext cx="216024" cy="0"/>
+          </a:xfrm>
+          <a:prstGeom prst="line">
+            <a:avLst/>
+          </a:prstGeom>
+          <a:ln>
+            <a:solidFill>
+              <a:schemeClr val="tx1"/>
+            </a:solidFill>
+          </a:ln>
+        </p:spPr>
+        <p:style>
+          <a:lnRef idx="1">
+            <a:schemeClr val="accent1"/>
+          </a:lnRef>
+          <a:fillRef idx="0">
+            <a:schemeClr val="accent1"/>
+          </a:fillRef>
+          <a:effectRef idx="0">
+            <a:schemeClr val="accent1"/>
+          </a:effectRef>
+          <a:fontRef idx="minor">
+            <a:schemeClr val="tx1"/>
+          </a:fontRef>
+        </p:style>
+      </p:cxnSp>
+      <p:sp>
+        <p:nvSpPr>
+          <p:cNvPr id="59" name="TextBox 58"/>
           <p:cNvSpPr txBox="1"/>
           <p:nvPr/>
         </p:nvSpPr>
         <p:spPr>
           <a:xfrm>
-            <a:off x="5334448" y="4041358"/>
+            <a:off x="2118350" y="5733256"/>
             <a:ext cx="1857388" cy="215444"/>
           </a:xfrm>
           <a:prstGeom prst="rect">
@@ -8836,7 +8764,7 @@
                 </a:solidFill>
                 <a:latin typeface="Arial Black" pitchFamily="34" charset="0"/>
               </a:rPr>
-              <a:t>Arial Narrow, 8; #7f7fff</a:t>
+              <a:t>Arial Narrow, 9; #0f0f7f</a:t>
             </a:r>
             <a:endParaRPr lang="en-US" sz="800" b="1" dirty="0">
               <a:solidFill>
@@ -8849,14 +8777,14 @@
       </p:sp>
       <p:cxnSp>
         <p:nvCxnSpPr>
-          <p:cNvPr id="54" name="Straight Arrow Connector 53"/>
+          <p:cNvPr id="58" name="Straight Arrow Connector 57"/>
           <p:cNvCxnSpPr/>
           <p:nvPr/>
         </p:nvCxnSpPr>
         <p:spPr>
           <a:xfrm>
-            <a:off x="6876256" y="3933056"/>
-            <a:ext cx="0" cy="108302"/>
+            <a:off x="1043608" y="5840978"/>
+            <a:ext cx="994245" cy="0"/>
           </a:xfrm>
           <a:prstGeom prst="straightConnector1">
             <a:avLst/>
@@ -8883,50 +8811,15 @@
           </a:fontRef>
         </p:style>
       </p:cxnSp>
-      <p:cxnSp>
-        <p:nvCxnSpPr>
-          <p:cNvPr id="56" name="Straight Connector 55"/>
-          <p:cNvCxnSpPr/>
-          <p:nvPr/>
-        </p:nvCxnSpPr>
-        <p:spPr>
-          <a:xfrm flipH="1">
-            <a:off x="6660232" y="3933056"/>
-            <a:ext cx="216024" cy="0"/>
-          </a:xfrm>
-          <a:prstGeom prst="line">
-            <a:avLst/>
-          </a:prstGeom>
-          <a:ln>
-            <a:solidFill>
-              <a:schemeClr val="tx1"/>
-            </a:solidFill>
-          </a:ln>
-        </p:spPr>
-        <p:style>
-          <a:lnRef idx="1">
-            <a:schemeClr val="accent1"/>
-          </a:lnRef>
-          <a:fillRef idx="0">
-            <a:schemeClr val="accent1"/>
-          </a:fillRef>
-          <a:effectRef idx="0">
-            <a:schemeClr val="accent1"/>
-          </a:effectRef>
-          <a:fontRef idx="minor">
-            <a:schemeClr val="tx1"/>
-          </a:fontRef>
-        </p:style>
-      </p:cxnSp>
-      <p:sp>
-        <p:nvSpPr>
-          <p:cNvPr id="59" name="TextBox 58"/>
+      <p:sp>
+        <p:nvSpPr>
+          <p:cNvPr id="62" name="TextBox 61"/>
           <p:cNvSpPr txBox="1"/>
           <p:nvPr/>
         </p:nvSpPr>
         <p:spPr>
           <a:xfrm>
-            <a:off x="2118350" y="5733256"/>
+            <a:off x="5334448" y="4796572"/>
             <a:ext cx="1857388" cy="215444"/>
           </a:xfrm>
           <a:prstGeom prst="rect">
@@ -8960,7 +8853,7 @@
                 </a:solidFill>
                 <a:latin typeface="Arial Black" pitchFamily="34" charset="0"/>
               </a:rPr>
-              <a:t>Arial Narrow, 9; #0f0f7f</a:t>
+              <a:t>Arial Narrow, 8; #7f7fff</a:t>
             </a:r>
             <a:endParaRPr lang="en-US" sz="800" b="1" dirty="0">
               <a:solidFill>
@@ -8973,16 +8866,16 @@
       </p:sp>
       <p:cxnSp>
         <p:nvCxnSpPr>
-          <p:cNvPr id="58" name="Straight Arrow Connector 57"/>
+          <p:cNvPr id="1024" name="Elbow Connector 1023"/>
           <p:cNvCxnSpPr/>
           <p:nvPr/>
         </p:nvCxnSpPr>
         <p:spPr>
-          <a:xfrm>
-            <a:off x="1043608" y="5840978"/>
-            <a:ext cx="994245" cy="0"/>
-          </a:xfrm>
-          <a:prstGeom prst="straightConnector1">
+          <a:xfrm flipV="1">
+            <a:off x="3203848" y="4869160"/>
+            <a:ext cx="2130600" cy="252898"/>
+          </a:xfrm>
+          <a:prstGeom prst="bentConnector3">
             <a:avLst/>
           </a:prstGeom>
           <a:ln>
@@ -9009,13 +8902,13 @@
       </p:cxnSp>
       <p:sp>
         <p:nvSpPr>
-          <p:cNvPr id="62" name="TextBox 61"/>
+          <p:cNvPr id="69" name="TextBox 68"/>
           <p:cNvSpPr txBox="1"/>
           <p:nvPr/>
         </p:nvSpPr>
         <p:spPr>
           <a:xfrm>
-            <a:off x="5334448" y="4796572"/>
+            <a:off x="5334448" y="6165304"/>
             <a:ext cx="1857388" cy="215444"/>
           </a:xfrm>
           <a:prstGeom prst="rect">
@@ -9049,7 +8942,25 @@
                 </a:solidFill>
                 <a:latin typeface="Arial Black" pitchFamily="34" charset="0"/>
               </a:rPr>
-              <a:t>Arial Narrow, 8; #7f7fff</a:t>
+              <a:t>Arial </a:t>
+            </a:r>
+            <a:r>
+              <a:rPr lang="en-AU" sz="800" b="1" dirty="0">
+                <a:solidFill>
+                  <a:schemeClr val="accent6"/>
+                </a:solidFill>
+                <a:latin typeface="Arial Black" pitchFamily="34" charset="0"/>
+              </a:rPr>
+              <a:t>Narrow , 9</a:t>
+            </a:r>
+            <a:r>
+              <a:rPr lang="en-AU" sz="800" b="1" dirty="0" smtClean="0">
+                <a:solidFill>
+                  <a:schemeClr val="accent6"/>
+                </a:solidFill>
+                <a:latin typeface="Arial Black" pitchFamily="34" charset="0"/>
+              </a:rPr>
+              <a:t>; #0f0f7f</a:t>
             </a:r>
             <a:endParaRPr lang="en-US" sz="800" b="1" dirty="0">
               <a:solidFill>
@@ -9062,16 +8973,18 @@
       </p:sp>
       <p:cxnSp>
         <p:nvCxnSpPr>
-          <p:cNvPr id="1024" name="Elbow Connector 1023"/>
-          <p:cNvCxnSpPr/>
+          <p:cNvPr id="1028" name="Straight Arrow Connector 1027"/>
+          <p:cNvCxnSpPr>
+            <a:endCxn id="69" idx="1"/>
+          </p:cNvCxnSpPr>
           <p:nvPr/>
         </p:nvCxnSpPr>
         <p:spPr>
-          <a:xfrm flipV="1">
-            <a:off x="3203848" y="4869160"/>
-            <a:ext cx="2130600" cy="252898"/>
-          </a:xfrm>
-          <a:prstGeom prst="bentConnector3">
+          <a:xfrm>
+            <a:off x="5004048" y="6273026"/>
+            <a:ext cx="330400" cy="0"/>
+          </a:xfrm>
+          <a:prstGeom prst="straightConnector1">
             <a:avLst/>
           </a:prstGeom>
           <a:ln>
@@ -9098,14 +9011,14 @@
       </p:cxnSp>
       <p:sp>
         <p:nvSpPr>
-          <p:cNvPr id="69" name="TextBox 68"/>
+          <p:cNvPr id="72" name="TextBox 71"/>
           <p:cNvSpPr txBox="1"/>
           <p:nvPr/>
         </p:nvSpPr>
         <p:spPr>
           <a:xfrm>
-            <a:off x="5334448" y="6165304"/>
-            <a:ext cx="1857388" cy="215444"/>
+            <a:off x="7191836" y="5429108"/>
+            <a:ext cx="1857388" cy="338554"/>
           </a:xfrm>
           <a:prstGeom prst="rect">
             <a:avLst/>
@@ -9138,25 +9051,26 @@
                 </a:solidFill>
                 <a:latin typeface="Arial Black" pitchFamily="34" charset="0"/>
               </a:rPr>
-              <a:t>Arial </a:t>
-            </a:r>
-            <a:r>
-              <a:rPr lang="en-AU" sz="800" b="1" dirty="0">
+              <a:t>Button, Arial Narrow, Bold, </a:t>
+            </a:r>
+            <a:r>
+              <a:rPr lang="en-AU" sz="800" b="1" dirty="0" smtClean="0">
                 <a:solidFill>
                   <a:schemeClr val="accent6"/>
                 </a:solidFill>
+                <a:latin typeface="Arial" pitchFamily="34" charset="0"/>
+                <a:cs typeface="Arial" pitchFamily="34" charset="0"/>
+              </a:rPr>
+              <a:t>12</a:t>
+            </a:r>
+            <a:r>
+              <a:rPr lang="en-AU" sz="800" b="1" dirty="0" smtClean="0">
+                <a:solidFill>
+                  <a:schemeClr val="accent6"/>
+                </a:solidFill>
                 <a:latin typeface="Arial Black" pitchFamily="34" charset="0"/>
               </a:rPr>
-              <a:t>Narrow , 9</a:t>
-            </a:r>
-            <a:r>
-              <a:rPr lang="en-AU" sz="800" b="1" dirty="0" smtClean="0">
-                <a:solidFill>
-                  <a:schemeClr val="accent6"/>
-                </a:solidFill>
-                <a:latin typeface="Arial Black" pitchFamily="34" charset="0"/>
-              </a:rPr>
-              <a:t>; #0f0f7f</a:t>
+              <a:t>; #2f2faf</a:t>
             </a:r>
             <a:endParaRPr lang="en-US" sz="800" b="1" dirty="0">
               <a:solidFill>
@@ -9169,16 +9083,14 @@
       </p:sp>
       <p:cxnSp>
         <p:nvCxnSpPr>
-          <p:cNvPr id="1028" name="Straight Arrow Connector 1027"/>
-          <p:cNvCxnSpPr>
-            <a:endCxn id="69" idx="1"/>
-          </p:cNvCxnSpPr>
+          <p:cNvPr id="1030" name="Straight Arrow Connector 1029"/>
+          <p:cNvCxnSpPr/>
           <p:nvPr/>
         </p:nvCxnSpPr>
         <p:spPr>
-          <a:xfrm>
-            <a:off x="5004048" y="6273026"/>
-            <a:ext cx="330400" cy="0"/>
+          <a:xfrm flipV="1">
+            <a:off x="8316416" y="5767662"/>
+            <a:ext cx="0" cy="397642"/>
           </a:xfrm>
           <a:prstGeom prst="straightConnector1">
             <a:avLst/>
@@ -9205,16 +9117,52 @@
           </a:fontRef>
         </p:style>
       </p:cxnSp>
-      <p:sp>
-        <p:nvSpPr>
-          <p:cNvPr id="72" name="TextBox 71"/>
+      <p:cxnSp>
+        <p:nvCxnSpPr>
+          <p:cNvPr id="1033" name="Straight Arrow Connector 1032"/>
+          <p:cNvCxnSpPr/>
+          <p:nvPr/>
+        </p:nvCxnSpPr>
+        <p:spPr>
+          <a:xfrm>
+            <a:off x="3895241" y="6219455"/>
+            <a:ext cx="0" cy="305889"/>
+          </a:xfrm>
+          <a:prstGeom prst="straightConnector1">
+            <a:avLst/>
+          </a:prstGeom>
+          <a:ln>
+            <a:solidFill>
+              <a:schemeClr val="tx1"/>
+            </a:solidFill>
+            <a:tailEnd type="arrow"/>
+          </a:ln>
+        </p:spPr>
+        <p:style>
+          <a:lnRef idx="1">
+            <a:schemeClr val="accent1"/>
+          </a:lnRef>
+          <a:fillRef idx="0">
+            <a:schemeClr val="accent1"/>
+          </a:fillRef>
+          <a:effectRef idx="0">
+            <a:schemeClr val="accent1"/>
+          </a:effectRef>
+          <a:fontRef idx="minor">
+            <a:schemeClr val="tx1"/>
+          </a:fontRef>
+        </p:style>
+      </p:cxnSp>
+      <p:sp>
+        <p:nvSpPr>
+          <p:cNvPr id="78" name="TextBox 77"/>
           <p:cNvSpPr txBox="1"/>
           <p:nvPr/>
         </p:nvSpPr>
         <p:spPr>
           <a:xfrm>
-            <a:off x="7191836" y="5429108"/>
-            <a:ext cx="1857388" cy="338554"/>
+            <a:off x="3477060" y="6525344"/>
+            <a:ext cx="3168352" cy="338554"/>
           </a:xfrm>
           <a:prstGeom prst="rect">
             <a:avLst/>
@@ -9241,32 +9189,31 @@
           <a:lstStyle/>
           <a:p>
             <a:r>
-              <a:rPr lang="en-AU" sz="800" b="1" dirty="0" smtClean="0">
+              <a:rPr lang="en-US" sz="800" b="1" dirty="0" smtClean="0">
                 <a:solidFill>
                   <a:schemeClr val="accent6"/>
                 </a:solidFill>
                 <a:latin typeface="Arial Black" pitchFamily="34" charset="0"/>
               </a:rPr>
-              <a:t>Button, Arial Narrow, Bold, </a:t>
-            </a:r>
-            <a:r>
-              <a:rPr lang="en-AU" sz="800" b="1" dirty="0" smtClean="0">
+              <a:t>Tick box when blank  fill color #</a:t>
+            </a:r>
+            <a:r>
+              <a:rPr lang="en-US" sz="800" b="1" dirty="0" err="1" smtClean="0">
                 <a:solidFill>
                   <a:schemeClr val="accent6"/>
                 </a:solidFill>
-                <a:latin typeface="Arial" pitchFamily="34" charset="0"/>
-                <a:cs typeface="Arial" pitchFamily="34" charset="0"/>
-              </a:rPr>
-              <a:t>12</a:t>
-            </a:r>
-            <a:r>
-              <a:rPr lang="en-AU" sz="800" b="1" dirty="0" smtClean="0">
+                <a:latin typeface="Arial Black" pitchFamily="34" charset="0"/>
+              </a:rPr>
+              <a:t>ffffff</a:t>
+            </a:r>
+            <a:r>
+              <a:rPr lang="en-US" sz="800" b="1" dirty="0" smtClean="0">
                 <a:solidFill>
                   <a:schemeClr val="accent6"/>
                 </a:solidFill>
                 <a:latin typeface="Arial Black" pitchFamily="34" charset="0"/>
               </a:rPr>
-              <a:t>; #2f2faf</a:t>
+              <a:t>, square, border color 9f9fff, when ticked color #0f0f7f</a:t>
             </a:r>
             <a:endParaRPr lang="en-US" sz="800" b="1" dirty="0">
               <a:solidFill>
@@ -9277,16 +9224,69 @@
           </a:p>
         </p:txBody>
       </p:sp>
+      <p:sp>
+        <p:nvSpPr>
+          <p:cNvPr id="80" name="TextBox 79"/>
+          <p:cNvSpPr txBox="1"/>
+          <p:nvPr/>
+        </p:nvSpPr>
+        <p:spPr>
+          <a:xfrm>
+            <a:off x="413362" y="6957392"/>
+            <a:ext cx="1857388" cy="215444"/>
+          </a:xfrm>
+          <a:prstGeom prst="rect">
+            <a:avLst/>
+          </a:prstGeom>
+        </p:spPr>
+        <p:style>
+          <a:lnRef idx="1">
+            <a:schemeClr val="dk1"/>
+          </a:lnRef>
+          <a:fillRef idx="3">
+            <a:schemeClr val="dk1"/>
+          </a:fillRef>
+          <a:effectRef idx="2">
+            <a:schemeClr val="dk1"/>
+          </a:effectRef>
+          <a:fontRef idx="minor">
+            <a:schemeClr val="lt1"/>
+          </a:fontRef>
+        </p:style>
+        <p:txBody>
+          <a:bodyPr wrap="square" rtlCol="0">
+            <a:spAutoFit/>
+          </a:bodyPr>
+          <a:lstStyle/>
+          <a:p>
+            <a:r>
+              <a:rPr lang="en-AU" sz="800" b="1" dirty="0" smtClean="0">
+                <a:solidFill>
+                  <a:schemeClr val="accent6"/>
+                </a:solidFill>
+                <a:latin typeface="Arial Black" pitchFamily="34" charset="0"/>
+              </a:rPr>
+              <a:t>Arial Narrow, 9; #0f0f7f</a:t>
+            </a:r>
+            <a:endParaRPr lang="en-US" sz="800" b="1" dirty="0">
+              <a:solidFill>
+                <a:schemeClr val="accent6"/>
+              </a:solidFill>
+              <a:latin typeface="Arial Black" pitchFamily="34" charset="0"/>
+            </a:endParaRPr>
+          </a:p>
+        </p:txBody>
+      </p:sp>
       <p:cxnSp>
         <p:nvCxnSpPr>
-          <p:cNvPr id="1030" name="Straight Arrow Connector 1029"/>
+          <p:cNvPr id="1036" name="Straight Arrow Connector 1035"/>
           <p:cNvCxnSpPr/>
           <p:nvPr/>
         </p:nvCxnSpPr>
         <p:spPr>
-          <a:xfrm flipV="1">
-            <a:off x="8316416" y="5767662"/>
-            <a:ext cx="0" cy="397642"/>
+          <a:xfrm>
+            <a:off x="1619672" y="6694621"/>
+            <a:ext cx="0" cy="262771"/>
           </a:xfrm>
           <a:prstGeom prst="straightConnector1">
             <a:avLst/>
@@ -9313,18 +9313,89 @@
           </a:fontRef>
         </p:style>
       </p:cxnSp>
+      <p:sp>
+        <p:nvSpPr>
+          <p:cNvPr id="84" name="TextBox 83"/>
+          <p:cNvSpPr txBox="1"/>
+          <p:nvPr/>
+        </p:nvSpPr>
+        <p:spPr>
+          <a:xfrm>
+            <a:off x="-3168352" y="6134916"/>
+            <a:ext cx="3168352" cy="338554"/>
+          </a:xfrm>
+          <a:prstGeom prst="rect">
+            <a:avLst/>
+          </a:prstGeom>
+        </p:spPr>
+        <p:style>
+          <a:lnRef idx="1">
+            <a:schemeClr val="dk1"/>
+          </a:lnRef>
+          <a:fillRef idx="3">
+            <a:schemeClr val="dk1"/>
+          </a:fillRef>
+          <a:effectRef idx="2">
+            <a:schemeClr val="dk1"/>
+          </a:effectRef>
+          <a:fontRef idx="minor">
+            <a:schemeClr val="lt1"/>
+          </a:fontRef>
+        </p:style>
+        <p:txBody>
+          <a:bodyPr wrap="square" rtlCol="0">
+            <a:spAutoFit/>
+          </a:bodyPr>
+          <a:lstStyle/>
+          <a:p>
+            <a:r>
+              <a:rPr lang="en-US" sz="800" b="1" dirty="0" smtClean="0">
+                <a:solidFill>
+                  <a:schemeClr val="accent6"/>
+                </a:solidFill>
+                <a:latin typeface="Arial Black" pitchFamily="34" charset="0"/>
+              </a:rPr>
+              <a:t>check box when blank  fill color #</a:t>
+            </a:r>
+            <a:r>
+              <a:rPr lang="en-US" sz="800" b="1" dirty="0" err="1" smtClean="0">
+                <a:solidFill>
+                  <a:schemeClr val="accent6"/>
+                </a:solidFill>
+                <a:latin typeface="Arial Black" pitchFamily="34" charset="0"/>
+              </a:rPr>
+              <a:t>ffffff</a:t>
+            </a:r>
+            <a:r>
+              <a:rPr lang="en-US" sz="800" b="1" dirty="0" smtClean="0">
+                <a:solidFill>
+                  <a:schemeClr val="accent6"/>
+                </a:solidFill>
+                <a:latin typeface="Arial Black" pitchFamily="34" charset="0"/>
+              </a:rPr>
+              <a:t>, round, border color 9f9fff, when checked color #0f0f7f</a:t>
+            </a:r>
+            <a:endParaRPr lang="en-US" sz="800" b="1" dirty="0">
+              <a:solidFill>
+                <a:schemeClr val="accent6"/>
+              </a:solidFill>
+              <a:latin typeface="Arial Black" pitchFamily="34" charset="0"/>
+            </a:endParaRPr>
+          </a:p>
+        </p:txBody>
+      </p:sp>
       <p:cxnSp>
         <p:nvCxnSpPr>
-          <p:cNvPr id="1033" name="Straight Arrow Connector 1032"/>
+          <p:cNvPr id="1039" name="Elbow Connector 1038"/>
           <p:cNvCxnSpPr/>
           <p:nvPr/>
         </p:nvCxnSpPr>
         <p:spPr>
           <a:xfrm>
-            <a:off x="3895241" y="6219455"/>
-            <a:ext cx="0" cy="305889"/>
-          </a:xfrm>
-          <a:prstGeom prst="straightConnector1">
+            <a:off x="-900608" y="6520217"/>
+            <a:ext cx="1313970" cy="221151"/>
+          </a:xfrm>
+          <a:prstGeom prst="bentConnector3">
             <a:avLst/>
           </a:prstGeom>
           <a:ln>
@@ -9351,14 +9422,14 @@
       </p:cxnSp>
       <p:sp>
         <p:nvSpPr>
-          <p:cNvPr id="78" name="TextBox 77"/>
+          <p:cNvPr id="87" name="TextBox 86"/>
           <p:cNvSpPr txBox="1"/>
           <p:nvPr/>
         </p:nvSpPr>
         <p:spPr>
           <a:xfrm>
-            <a:off x="3477060" y="6525344"/>
-            <a:ext cx="3168352" cy="338554"/>
+            <a:off x="7107100" y="2997532"/>
+            <a:ext cx="1857388" cy="338554"/>
           </a:xfrm>
           <a:prstGeom prst="rect">
             <a:avLst/>
@@ -9385,31 +9456,49 @@
           <a:lstStyle/>
           <a:p>
             <a:r>
-              <a:rPr lang="en-US" sz="800" b="1" dirty="0" smtClean="0">
+              <a:rPr lang="en-AU" sz="800" b="1" dirty="0" smtClean="0">
                 <a:solidFill>
                   <a:schemeClr val="accent6"/>
                 </a:solidFill>
                 <a:latin typeface="Arial Black" pitchFamily="34" charset="0"/>
               </a:rPr>
-              <a:t>Tick box when blank  fill color #</a:t>
-            </a:r>
-            <a:r>
-              <a:rPr lang="en-US" sz="800" b="1" dirty="0" err="1" smtClean="0">
+              <a:t>Arial </a:t>
+            </a:r>
+            <a:r>
+              <a:rPr lang="en-AU" sz="800" b="1" dirty="0">
                 <a:solidFill>
                   <a:schemeClr val="accent6"/>
                 </a:solidFill>
                 <a:latin typeface="Arial Black" pitchFamily="34" charset="0"/>
               </a:rPr>
-              <a:t>ffffff</a:t>
-            </a:r>
-            <a:r>
-              <a:rPr lang="en-US" sz="800" b="1" dirty="0" smtClean="0">
+              <a:t>Narrow , 9</a:t>
+            </a:r>
+            <a:r>
+              <a:rPr lang="en-AU" sz="800" b="1" dirty="0" smtClean="0">
                 <a:solidFill>
                   <a:schemeClr val="accent6"/>
                 </a:solidFill>
                 <a:latin typeface="Arial Black" pitchFamily="34" charset="0"/>
               </a:rPr>
-              <a:t>, square, border color 9f9fff, when ticked color #0f0f7f</a:t>
+              <a:t>; #4f4fcf,(</a:t>
+            </a:r>
+            <a:r>
+              <a:rPr lang="en-AU" sz="800" b="1" dirty="0" err="1" smtClean="0">
+                <a:solidFill>
+                  <a:schemeClr val="accent6"/>
+                </a:solidFill>
+                <a:latin typeface="Arial Black" pitchFamily="34" charset="0"/>
+              </a:rPr>
+              <a:t>sam</a:t>
+            </a:r>
+            <a:r>
+              <a:rPr lang="en-AU" sz="800" b="1" dirty="0" smtClean="0">
+                <a:solidFill>
+                  <a:schemeClr val="accent6"/>
+                </a:solidFill>
+                <a:latin typeface="Arial Black" pitchFamily="34" charset="0"/>
+              </a:rPr>
+              <a:t> e applies to all other fields)</a:t>
             </a:r>
             <a:endParaRPr lang="en-US" sz="800" b="1" dirty="0">
               <a:solidFill>
@@ -9420,16 +9509,54 @@
           </a:p>
         </p:txBody>
       </p:sp>
-      <p:sp>
-        <p:nvSpPr>
-          <p:cNvPr id="80" name="TextBox 79"/>
+      <p:cxnSp>
+        <p:nvCxnSpPr>
+          <p:cNvPr id="1041" name="Straight Arrow Connector 1040"/>
+          <p:cNvCxnSpPr>
+            <a:endCxn id="87" idx="1"/>
+          </p:cNvCxnSpPr>
+          <p:nvPr/>
+        </p:nvCxnSpPr>
+        <p:spPr>
+          <a:xfrm>
+            <a:off x="6645412" y="3166809"/>
+            <a:ext cx="461688" cy="0"/>
+          </a:xfrm>
+          <a:prstGeom prst="straightConnector1">
+            <a:avLst/>
+          </a:prstGeom>
+          <a:ln>
+            <a:solidFill>
+              <a:schemeClr val="tx1"/>
+            </a:solidFill>
+            <a:tailEnd type="arrow"/>
+          </a:ln>
+        </p:spPr>
+        <p:style>
+          <a:lnRef idx="1">
+            <a:schemeClr val="accent1"/>
+          </a:lnRef>
+          <a:fillRef idx="0">
+            <a:schemeClr val="accent1"/>
+          </a:fillRef>
+          <a:effectRef idx="0">
+            <a:schemeClr val="accent1"/>
+          </a:effectRef>
+          <a:fontRef idx="minor">
+            <a:schemeClr val="tx1"/>
+          </a:fontRef>
+        </p:style>
+      </p:cxnSp>
+      <p:sp>
+        <p:nvSpPr>
+          <p:cNvPr id="92" name="TextBox 91"/>
           <p:cNvSpPr txBox="1"/>
           <p:nvPr/>
         </p:nvSpPr>
         <p:spPr>
           <a:xfrm>
-            <a:off x="413362" y="6957392"/>
-            <a:ext cx="1857388" cy="215444"/>
+            <a:off x="-1829302" y="4473406"/>
+            <a:ext cx="1857388" cy="338554"/>
           </a:xfrm>
           <a:prstGeom prst="rect">
             <a:avLst/>
@@ -9462,7 +9589,7 @@
                 </a:solidFill>
                 <a:latin typeface="Arial Black" pitchFamily="34" charset="0"/>
               </a:rPr>
-              <a:t>Arial Narrow, 9; #0f0f7f</a:t>
+              <a:t>Plus symbol, Arial Narrow, 9; #0f0f7f</a:t>
             </a:r>
             <a:endParaRPr lang="en-US" sz="800" b="1" dirty="0">
               <a:solidFill>
@@ -9475,14 +9602,16 @@
       </p:sp>
       <p:cxnSp>
         <p:nvCxnSpPr>
-          <p:cNvPr id="1036" name="Straight Arrow Connector 1035"/>
-          <p:cNvCxnSpPr/>
+          <p:cNvPr id="1045" name="Straight Arrow Connector 1044"/>
+          <p:cNvCxnSpPr>
+            <a:stCxn id="92" idx="3"/>
+          </p:cNvCxnSpPr>
           <p:nvPr/>
         </p:nvCxnSpPr>
         <p:spPr>
           <a:xfrm>
-            <a:off x="1619672" y="6694621"/>
-            <a:ext cx="0" cy="262771"/>
+            <a:off x="28086" y="4642683"/>
+            <a:ext cx="385276" cy="0"/>
           </a:xfrm>
           <a:prstGeom prst="straightConnector1">
             <a:avLst/>
@@ -9511,14 +9640,14 @@
       </p:cxnSp>
       <p:sp>
         <p:nvSpPr>
-          <p:cNvPr id="84" name="TextBox 83"/>
+          <p:cNvPr id="96" name="TextBox 95"/>
           <p:cNvSpPr txBox="1"/>
           <p:nvPr/>
         </p:nvSpPr>
         <p:spPr>
           <a:xfrm>
-            <a:off x="-3168352" y="6134916"/>
-            <a:ext cx="3168352" cy="338554"/>
+            <a:off x="9756576" y="4581128"/>
+            <a:ext cx="1224136" cy="215444"/>
           </a:xfrm>
           <a:prstGeom prst="rect">
             <a:avLst/>
@@ -9545,31 +9674,13 @@
           <a:lstStyle/>
           <a:p>
             <a:r>
-              <a:rPr lang="en-US" sz="800" b="1" dirty="0" smtClean="0">
+              <a:rPr lang="en-AU" sz="800" b="1" dirty="0" smtClean="0">
                 <a:solidFill>
                   <a:schemeClr val="accent6"/>
                 </a:solidFill>
                 <a:latin typeface="Arial Black" pitchFamily="34" charset="0"/>
               </a:rPr>
-              <a:t>check box when blank  fill color #</a:t>
-            </a:r>
-            <a:r>
-              <a:rPr lang="en-US" sz="800" b="1" dirty="0" err="1" smtClean="0">
-                <a:solidFill>
-                  <a:schemeClr val="accent6"/>
-                </a:solidFill>
-                <a:latin typeface="Arial Black" pitchFamily="34" charset="0"/>
-              </a:rPr>
-              <a:t>ffffff</a:t>
-            </a:r>
-            <a:r>
-              <a:rPr lang="en-US" sz="800" b="1" dirty="0" smtClean="0">
-                <a:solidFill>
-                  <a:schemeClr val="accent6"/>
-                </a:solidFill>
-                <a:latin typeface="Arial Black" pitchFamily="34" charset="0"/>
-              </a:rPr>
-              <a:t>, round, border color 9f9fff, when checked color #0f0f7f</a:t>
+              <a:t>40px, #8f8fff</a:t>
             </a:r>
             <a:endParaRPr lang="en-US" sz="800" b="1" dirty="0">
               <a:solidFill>
@@ -9582,16 +9693,16 @@
       </p:sp>
       <p:cxnSp>
         <p:nvCxnSpPr>
-          <p:cNvPr id="1039" name="Elbow Connector 1038"/>
+          <p:cNvPr id="1050" name="Straight Arrow Connector 1049"/>
           <p:cNvCxnSpPr/>
           <p:nvPr/>
         </p:nvCxnSpPr>
         <p:spPr>
           <a:xfrm>
-            <a:off x="-900608" y="6520217"/>
-            <a:ext cx="1313970" cy="221151"/>
-          </a:xfrm>
-          <a:prstGeom prst="bentConnector3">
+            <a:off x="9165839" y="4688850"/>
+            <a:ext cx="590737" cy="0"/>
+          </a:xfrm>
+          <a:prstGeom prst="straightConnector1">
             <a:avLst/>
           </a:prstGeom>
           <a:ln>
@@ -9616,287 +9727,16 @@
           </a:fontRef>
         </p:style>
       </p:cxnSp>
-      <p:sp>
-        <p:nvSpPr>
-          <p:cNvPr id="87" name="TextBox 86"/>
-          <p:cNvSpPr txBox="1"/>
-          <p:nvPr/>
-        </p:nvSpPr>
-        <p:spPr>
-          <a:xfrm>
-            <a:off x="7107100" y="2997532"/>
-            <a:ext cx="1857388" cy="338554"/>
-          </a:xfrm>
-          <a:prstGeom prst="rect">
-            <a:avLst/>
-          </a:prstGeom>
-        </p:spPr>
-        <p:style>
-          <a:lnRef idx="1">
-            <a:schemeClr val="dk1"/>
-          </a:lnRef>
-          <a:fillRef idx="3">
-            <a:schemeClr val="dk1"/>
-          </a:fillRef>
-          <a:effectRef idx="2">
-            <a:schemeClr val="dk1"/>
-          </a:effectRef>
-          <a:fontRef idx="minor">
-            <a:schemeClr val="lt1"/>
-          </a:fontRef>
-        </p:style>
-        <p:txBody>
-          <a:bodyPr wrap="square" rtlCol="0">
-            <a:spAutoFit/>
-          </a:bodyPr>
-          <a:lstStyle/>
-          <a:p>
-            <a:r>
-              <a:rPr lang="en-AU" sz="800" b="1" dirty="0" smtClean="0">
-                <a:solidFill>
-                  <a:schemeClr val="accent6"/>
-                </a:solidFill>
-                <a:latin typeface="Arial Black" pitchFamily="34" charset="0"/>
-              </a:rPr>
-              <a:t>Arial </a:t>
-            </a:r>
-            <a:r>
-              <a:rPr lang="en-AU" sz="800" b="1" dirty="0">
-                <a:solidFill>
-                  <a:schemeClr val="accent6"/>
-                </a:solidFill>
-                <a:latin typeface="Arial Black" pitchFamily="34" charset="0"/>
-              </a:rPr>
-              <a:t>Narrow , 9</a:t>
-            </a:r>
-            <a:r>
-              <a:rPr lang="en-AU" sz="800" b="1" dirty="0" smtClean="0">
-                <a:solidFill>
-                  <a:schemeClr val="accent6"/>
-                </a:solidFill>
-                <a:latin typeface="Arial Black" pitchFamily="34" charset="0"/>
-              </a:rPr>
-              <a:t>; #4f4fcf,(</a:t>
-            </a:r>
-            <a:r>
-              <a:rPr lang="en-AU" sz="800" b="1" dirty="0" err="1" smtClean="0">
-                <a:solidFill>
-                  <a:schemeClr val="accent6"/>
-                </a:solidFill>
-                <a:latin typeface="Arial Black" pitchFamily="34" charset="0"/>
-              </a:rPr>
-              <a:t>sam</a:t>
-            </a:r>
-            <a:r>
-              <a:rPr lang="en-AU" sz="800" b="1" dirty="0" smtClean="0">
-                <a:solidFill>
-                  <a:schemeClr val="accent6"/>
-                </a:solidFill>
-                <a:latin typeface="Arial Black" pitchFamily="34" charset="0"/>
-              </a:rPr>
-              <a:t> e applies to all other fields)</a:t>
-            </a:r>
-            <a:endParaRPr lang="en-US" sz="800" b="1" dirty="0">
-              <a:solidFill>
-                <a:schemeClr val="accent6"/>
-              </a:solidFill>
-              <a:latin typeface="Arial Black" pitchFamily="34" charset="0"/>
-            </a:endParaRPr>
-          </a:p>
-        </p:txBody>
-      </p:sp>
       <p:cxnSp>
         <p:nvCxnSpPr>
-          <p:cNvPr id="1041" name="Straight Arrow Connector 1040"/>
-          <p:cNvCxnSpPr>
-            <a:endCxn id="87" idx="1"/>
-          </p:cNvCxnSpPr>
+          <p:cNvPr id="3" name="Straight Arrow Connector 2"/>
+          <p:cNvCxnSpPr/>
           <p:nvPr/>
         </p:nvCxnSpPr>
         <p:spPr>
           <a:xfrm>
-            <a:off x="6645412" y="3166809"/>
-            <a:ext cx="461688" cy="0"/>
-          </a:xfrm>
-          <a:prstGeom prst="straightConnector1">
-            <a:avLst/>
-          </a:prstGeom>
-          <a:ln>
-            <a:solidFill>
-              <a:schemeClr val="tx1"/>
-            </a:solidFill>
-            <a:tailEnd type="arrow"/>
-          </a:ln>
-        </p:spPr>
-        <p:style>
-          <a:lnRef idx="1">
-            <a:schemeClr val="accent1"/>
-          </a:lnRef>
-          <a:fillRef idx="0">
-            <a:schemeClr val="accent1"/>
-          </a:fillRef>
-          <a:effectRef idx="0">
-            <a:schemeClr val="accent1"/>
-          </a:effectRef>
-          <a:fontRef idx="minor">
-            <a:schemeClr val="tx1"/>
-          </a:fontRef>
-        </p:style>
-      </p:cxnSp>
-      <p:sp>
-        <p:nvSpPr>
-          <p:cNvPr id="92" name="TextBox 91"/>
-          <p:cNvSpPr txBox="1"/>
-          <p:nvPr/>
-        </p:nvSpPr>
-        <p:spPr>
-          <a:xfrm>
-            <a:off x="-1829302" y="4473406"/>
-            <a:ext cx="1857388" cy="338554"/>
-          </a:xfrm>
-          <a:prstGeom prst="rect">
-            <a:avLst/>
-          </a:prstGeom>
-        </p:spPr>
-        <p:style>
-          <a:lnRef idx="1">
-            <a:schemeClr val="dk1"/>
-          </a:lnRef>
-          <a:fillRef idx="3">
-            <a:schemeClr val="dk1"/>
-          </a:fillRef>
-          <a:effectRef idx="2">
-            <a:schemeClr val="dk1"/>
-          </a:effectRef>
-          <a:fontRef idx="minor">
-            <a:schemeClr val="lt1"/>
-          </a:fontRef>
-        </p:style>
-        <p:txBody>
-          <a:bodyPr wrap="square" rtlCol="0">
-            <a:spAutoFit/>
-          </a:bodyPr>
-          <a:lstStyle/>
-          <a:p>
-            <a:r>
-              <a:rPr lang="en-AU" sz="800" b="1" dirty="0" smtClean="0">
-                <a:solidFill>
-                  <a:schemeClr val="accent6"/>
-                </a:solidFill>
-                <a:latin typeface="Arial Black" pitchFamily="34" charset="0"/>
-              </a:rPr>
-              <a:t>Plus symbol, Arial Narrow, 9; #0f0f7f</a:t>
-            </a:r>
-            <a:endParaRPr lang="en-US" sz="800" b="1" dirty="0">
-              <a:solidFill>
-                <a:schemeClr val="accent6"/>
-              </a:solidFill>
-              <a:latin typeface="Arial Black" pitchFamily="34" charset="0"/>
-            </a:endParaRPr>
-          </a:p>
-        </p:txBody>
-      </p:sp>
-      <p:cxnSp>
-        <p:nvCxnSpPr>
-          <p:cNvPr id="1045" name="Straight Arrow Connector 1044"/>
-          <p:cNvCxnSpPr>
-            <a:stCxn id="92" idx="3"/>
-          </p:cNvCxnSpPr>
-          <p:nvPr/>
-        </p:nvCxnSpPr>
-        <p:spPr>
-          <a:xfrm>
-            <a:off x="28086" y="4642683"/>
-            <a:ext cx="385276" cy="0"/>
-          </a:xfrm>
-          <a:prstGeom prst="straightConnector1">
-            <a:avLst/>
-          </a:prstGeom>
-          <a:ln>
-            <a:solidFill>
-              <a:schemeClr val="tx1"/>
-            </a:solidFill>
-            <a:tailEnd type="arrow"/>
-          </a:ln>
-        </p:spPr>
-        <p:style>
-          <a:lnRef idx="1">
-            <a:schemeClr val="accent1"/>
-          </a:lnRef>
-          <a:fillRef idx="0">
-            <a:schemeClr val="accent1"/>
-          </a:fillRef>
-          <a:effectRef idx="0">
-            <a:schemeClr val="accent1"/>
-          </a:effectRef>
-          <a:fontRef idx="minor">
-            <a:schemeClr val="tx1"/>
-          </a:fontRef>
-        </p:style>
-      </p:cxnSp>
-      <p:sp>
-        <p:nvSpPr>
-          <p:cNvPr id="96" name="TextBox 95"/>
-          <p:cNvSpPr txBox="1"/>
-          <p:nvPr/>
-        </p:nvSpPr>
-        <p:spPr>
-          <a:xfrm>
-            <a:off x="9756576" y="4581128"/>
-            <a:ext cx="1224136" cy="215444"/>
-          </a:xfrm>
-          <a:prstGeom prst="rect">
-            <a:avLst/>
-          </a:prstGeom>
-        </p:spPr>
-        <p:style>
-          <a:lnRef idx="1">
-            <a:schemeClr val="dk1"/>
-          </a:lnRef>
-          <a:fillRef idx="3">
-            <a:schemeClr val="dk1"/>
-          </a:fillRef>
-          <a:effectRef idx="2">
-            <a:schemeClr val="dk1"/>
-          </a:effectRef>
-          <a:fontRef idx="minor">
-            <a:schemeClr val="lt1"/>
-          </a:fontRef>
-        </p:style>
-        <p:txBody>
-          <a:bodyPr wrap="square" rtlCol="0">
-            <a:spAutoFit/>
-          </a:bodyPr>
-          <a:lstStyle/>
-          <a:p>
-            <a:r>
-              <a:rPr lang="en-AU" sz="800" b="1" dirty="0" smtClean="0">
-                <a:solidFill>
-                  <a:schemeClr val="accent6"/>
-                </a:solidFill>
-                <a:latin typeface="Arial Black" pitchFamily="34" charset="0"/>
-              </a:rPr>
-              <a:t>40px, #8f8fff</a:t>
-            </a:r>
-            <a:endParaRPr lang="en-US" sz="800" b="1" dirty="0">
-              <a:solidFill>
-                <a:schemeClr val="accent6"/>
-              </a:solidFill>
-              <a:latin typeface="Arial Black" pitchFamily="34" charset="0"/>
-            </a:endParaRPr>
-          </a:p>
-        </p:txBody>
-      </p:sp>
-      <p:cxnSp>
-        <p:nvCxnSpPr>
-          <p:cNvPr id="1050" name="Straight Arrow Connector 1049"/>
-          <p:cNvCxnSpPr/>
-          <p:nvPr/>
-        </p:nvCxnSpPr>
-        <p:spPr>
-          <a:xfrm>
-            <a:off x="9165839" y="4688850"/>
-            <a:ext cx="590737" cy="0"/>
+            <a:off x="2594475" y="2564904"/>
+            <a:ext cx="1210086" cy="0"/>
           </a:xfrm>
           <a:prstGeom prst="straightConnector1">
             <a:avLst/>
